--- a/slides/01-cc-intro.pptx
+++ b/slides/01-cc-intro.pptx
@@ -4,9 +4,25 @@
   <p:sldMasterIdLst>
     <p:sldMasterId id="2147483648" r:id="rId1"/>
   </p:sldMasterIdLst>
+  <p:notesMasterIdLst>
+    <p:notesMasterId r:id="rId17"/>
+  </p:notesMasterIdLst>
   <p:sldIdLst>
     <p:sldId id="256" r:id="rId2"/>
     <p:sldId id="257" r:id="rId3"/>
+    <p:sldId id="270" r:id="rId4"/>
+    <p:sldId id="259" r:id="rId5"/>
+    <p:sldId id="258" r:id="rId6"/>
+    <p:sldId id="262" r:id="rId7"/>
+    <p:sldId id="261" r:id="rId8"/>
+    <p:sldId id="260" r:id="rId9"/>
+    <p:sldId id="263" r:id="rId10"/>
+    <p:sldId id="264" r:id="rId11"/>
+    <p:sldId id="266" r:id="rId12"/>
+    <p:sldId id="265" r:id="rId13"/>
+    <p:sldId id="267" r:id="rId14"/>
+    <p:sldId id="268" r:id="rId15"/>
+    <p:sldId id="269" r:id="rId16"/>
   </p:sldIdLst>
   <p:sldSz cx="12192000" cy="6858000"/>
   <p:notesSz cx="6858000" cy="9144000"/>
@@ -106,6 +122,440 @@
     </a:lvl9pPr>
   </p:defaultTextStyle>
 </p:presentation>
+</file>
+
+<file path=ppt/notesMasters/notesMaster1.xml><?xml version="1.0" encoding="utf-8"?>
+<p:notesMaster xmlns:a="http://schemas.openxmlformats.org/drawingml/2006/main" xmlns:r="http://schemas.openxmlformats.org/officeDocument/2006/relationships" xmlns:p="http://schemas.openxmlformats.org/presentationml/2006/main">
+  <p:cSld>
+    <p:bg>
+      <p:bgRef idx="1001">
+        <a:schemeClr val="bg1"/>
+      </p:bgRef>
+    </p:bg>
+    <p:spTree>
+      <p:nvGrpSpPr>
+        <p:cNvPr id="1" name=""/>
+        <p:cNvGrpSpPr/>
+        <p:nvPr/>
+      </p:nvGrpSpPr>
+      <p:grpSpPr>
+        <a:xfrm>
+          <a:off x="0" y="0"/>
+          <a:ext cx="0" cy="0"/>
+          <a:chOff x="0" y="0"/>
+          <a:chExt cx="0" cy="0"/>
+        </a:xfrm>
+      </p:grpSpPr>
+      <p:sp>
+        <p:nvSpPr>
+          <p:cNvPr id="2" name="Верхний колонтитул 1"/>
+          <p:cNvSpPr>
+            <a:spLocks noGrp="1"/>
+          </p:cNvSpPr>
+          <p:nvPr>
+            <p:ph type="hdr" sz="quarter"/>
+          </p:nvPr>
+        </p:nvSpPr>
+        <p:spPr>
+          <a:xfrm>
+            <a:off x="0" y="0"/>
+            <a:ext cx="2971800" cy="458788"/>
+          </a:xfrm>
+          <a:prstGeom prst="rect">
+            <a:avLst/>
+          </a:prstGeom>
+        </p:spPr>
+        <p:txBody>
+          <a:bodyPr vert="horz" lIns="91440" tIns="45720" rIns="91440" bIns="45720" rtlCol="0"/>
+          <a:lstStyle>
+            <a:lvl1pPr algn="l">
+              <a:defRPr sz="1200"/>
+            </a:lvl1pPr>
+          </a:lstStyle>
+          <a:p>
+            <a:endParaRPr lang="ru-RU"/>
+          </a:p>
+        </p:txBody>
+      </p:sp>
+      <p:sp>
+        <p:nvSpPr>
+          <p:cNvPr id="3" name="Дата 2"/>
+          <p:cNvSpPr>
+            <a:spLocks noGrp="1"/>
+          </p:cNvSpPr>
+          <p:nvPr>
+            <p:ph type="dt" idx="1"/>
+          </p:nvPr>
+        </p:nvSpPr>
+        <p:spPr>
+          <a:xfrm>
+            <a:off x="3884613" y="0"/>
+            <a:ext cx="2971800" cy="458788"/>
+          </a:xfrm>
+          <a:prstGeom prst="rect">
+            <a:avLst/>
+          </a:prstGeom>
+        </p:spPr>
+        <p:txBody>
+          <a:bodyPr vert="horz" lIns="91440" tIns="45720" rIns="91440" bIns="45720" rtlCol="0"/>
+          <a:lstStyle>
+            <a:lvl1pPr algn="r">
+              <a:defRPr sz="1200"/>
+            </a:lvl1pPr>
+          </a:lstStyle>
+          <a:p>
+            <a:fld id="{2419C70F-E7AE-478F-A47F-87375EAE5175}" type="datetimeFigureOut">
+              <a:rPr lang="ru-RU" smtClean="0"/>
+              <a:t>31.10.2023</a:t>
+            </a:fld>
+            <a:endParaRPr lang="ru-RU"/>
+          </a:p>
+        </p:txBody>
+      </p:sp>
+      <p:sp>
+        <p:nvSpPr>
+          <p:cNvPr id="4" name="Образ слайда 3"/>
+          <p:cNvSpPr>
+            <a:spLocks noGrp="1" noRot="1" noChangeAspect="1"/>
+          </p:cNvSpPr>
+          <p:nvPr>
+            <p:ph type="sldImg" idx="2"/>
+          </p:nvPr>
+        </p:nvSpPr>
+        <p:spPr>
+          <a:xfrm>
+            <a:off x="685800" y="1143000"/>
+            <a:ext cx="5486400" cy="3086100"/>
+          </a:xfrm>
+          <a:prstGeom prst="rect">
+            <a:avLst/>
+          </a:prstGeom>
+          <a:noFill/>
+          <a:ln w="12700">
+            <a:solidFill>
+              <a:prstClr val="black"/>
+            </a:solidFill>
+          </a:ln>
+        </p:spPr>
+        <p:txBody>
+          <a:bodyPr vert="horz" lIns="91440" tIns="45720" rIns="91440" bIns="45720" rtlCol="0" anchor="ctr"/>
+          <a:lstStyle/>
+          <a:p>
+            <a:endParaRPr lang="ru-RU"/>
+          </a:p>
+        </p:txBody>
+      </p:sp>
+      <p:sp>
+        <p:nvSpPr>
+          <p:cNvPr id="5" name="Заметки 4"/>
+          <p:cNvSpPr>
+            <a:spLocks noGrp="1"/>
+          </p:cNvSpPr>
+          <p:nvPr>
+            <p:ph type="body" sz="quarter" idx="3"/>
+          </p:nvPr>
+        </p:nvSpPr>
+        <p:spPr>
+          <a:xfrm>
+            <a:off x="685800" y="4400550"/>
+            <a:ext cx="5486400" cy="3600450"/>
+          </a:xfrm>
+          <a:prstGeom prst="rect">
+            <a:avLst/>
+          </a:prstGeom>
+        </p:spPr>
+        <p:txBody>
+          <a:bodyPr vert="horz" lIns="91440" tIns="45720" rIns="91440" bIns="45720" rtlCol="0"/>
+          <a:lstStyle/>
+          <a:p>
+            <a:pPr lvl="0"/>
+            <a:r>
+              <a:rPr lang="ru-RU" smtClean="0"/>
+              <a:t>Образец текста</a:t>
+            </a:r>
+          </a:p>
+          <a:p>
+            <a:pPr lvl="1"/>
+            <a:r>
+              <a:rPr lang="ru-RU" smtClean="0"/>
+              <a:t>Второй уровень</a:t>
+            </a:r>
+          </a:p>
+          <a:p>
+            <a:pPr lvl="2"/>
+            <a:r>
+              <a:rPr lang="ru-RU" smtClean="0"/>
+              <a:t>Третий уровень</a:t>
+            </a:r>
+          </a:p>
+          <a:p>
+            <a:pPr lvl="3"/>
+            <a:r>
+              <a:rPr lang="ru-RU" smtClean="0"/>
+              <a:t>Четвертый уровень</a:t>
+            </a:r>
+          </a:p>
+          <a:p>
+            <a:pPr lvl="4"/>
+            <a:r>
+              <a:rPr lang="ru-RU" smtClean="0"/>
+              <a:t>Пятый уровень</a:t>
+            </a:r>
+            <a:endParaRPr lang="ru-RU"/>
+          </a:p>
+        </p:txBody>
+      </p:sp>
+      <p:sp>
+        <p:nvSpPr>
+          <p:cNvPr id="6" name="Нижний колонтитул 5"/>
+          <p:cNvSpPr>
+            <a:spLocks noGrp="1"/>
+          </p:cNvSpPr>
+          <p:nvPr>
+            <p:ph type="ftr" sz="quarter" idx="4"/>
+          </p:nvPr>
+        </p:nvSpPr>
+        <p:spPr>
+          <a:xfrm>
+            <a:off x="0" y="8685213"/>
+            <a:ext cx="2971800" cy="458787"/>
+          </a:xfrm>
+          <a:prstGeom prst="rect">
+            <a:avLst/>
+          </a:prstGeom>
+        </p:spPr>
+        <p:txBody>
+          <a:bodyPr vert="horz" lIns="91440" tIns="45720" rIns="91440" bIns="45720" rtlCol="0" anchor="b"/>
+          <a:lstStyle>
+            <a:lvl1pPr algn="l">
+              <a:defRPr sz="1200"/>
+            </a:lvl1pPr>
+          </a:lstStyle>
+          <a:p>
+            <a:endParaRPr lang="ru-RU"/>
+          </a:p>
+        </p:txBody>
+      </p:sp>
+      <p:sp>
+        <p:nvSpPr>
+          <p:cNvPr id="7" name="Номер слайда 6"/>
+          <p:cNvSpPr>
+            <a:spLocks noGrp="1"/>
+          </p:cNvSpPr>
+          <p:nvPr>
+            <p:ph type="sldNum" sz="quarter" idx="5"/>
+          </p:nvPr>
+        </p:nvSpPr>
+        <p:spPr>
+          <a:xfrm>
+            <a:off x="3884613" y="8685213"/>
+            <a:ext cx="2971800" cy="458787"/>
+          </a:xfrm>
+          <a:prstGeom prst="rect">
+            <a:avLst/>
+          </a:prstGeom>
+        </p:spPr>
+        <p:txBody>
+          <a:bodyPr vert="horz" lIns="91440" tIns="45720" rIns="91440" bIns="45720" rtlCol="0" anchor="b"/>
+          <a:lstStyle>
+            <a:lvl1pPr algn="r">
+              <a:defRPr sz="1200"/>
+            </a:lvl1pPr>
+          </a:lstStyle>
+          <a:p>
+            <a:fld id="{956C5DAF-3698-4CC2-8653-EDE49E64B433}" type="slidenum">
+              <a:rPr lang="ru-RU" smtClean="0"/>
+              <a:t>‹#›</a:t>
+            </a:fld>
+            <a:endParaRPr lang="ru-RU"/>
+          </a:p>
+        </p:txBody>
+      </p:sp>
+    </p:spTree>
+    <p:extLst>
+      <p:ext uri="{BB962C8B-B14F-4D97-AF65-F5344CB8AC3E}">
+        <p14:creationId xmlns:p14="http://schemas.microsoft.com/office/powerpoint/2010/main" val="2515282419"/>
+      </p:ext>
+    </p:extLst>
+  </p:cSld>
+  <p:clrMap bg1="lt1" tx1="dk1" bg2="lt2" tx2="dk2" accent1="accent1" accent2="accent2" accent3="accent3" accent4="accent4" accent5="accent5" accent6="accent6" hlink="hlink" folHlink="folHlink"/>
+  <p:notesStyle>
+    <a:lvl1pPr marL="0" algn="l" defTabSz="914400" rtl="0" eaLnBrk="1" latinLnBrk="0" hangingPunct="1">
+      <a:defRPr sz="1200" kern="1200">
+        <a:solidFill>
+          <a:schemeClr val="tx1"/>
+        </a:solidFill>
+        <a:latin typeface="+mn-lt"/>
+        <a:ea typeface="+mn-ea"/>
+        <a:cs typeface="+mn-cs"/>
+      </a:defRPr>
+    </a:lvl1pPr>
+    <a:lvl2pPr marL="457200" algn="l" defTabSz="914400" rtl="0" eaLnBrk="1" latinLnBrk="0" hangingPunct="1">
+      <a:defRPr sz="1200" kern="1200">
+        <a:solidFill>
+          <a:schemeClr val="tx1"/>
+        </a:solidFill>
+        <a:latin typeface="+mn-lt"/>
+        <a:ea typeface="+mn-ea"/>
+        <a:cs typeface="+mn-cs"/>
+      </a:defRPr>
+    </a:lvl2pPr>
+    <a:lvl3pPr marL="914400" algn="l" defTabSz="914400" rtl="0" eaLnBrk="1" latinLnBrk="0" hangingPunct="1">
+      <a:defRPr sz="1200" kern="1200">
+        <a:solidFill>
+          <a:schemeClr val="tx1"/>
+        </a:solidFill>
+        <a:latin typeface="+mn-lt"/>
+        <a:ea typeface="+mn-ea"/>
+        <a:cs typeface="+mn-cs"/>
+      </a:defRPr>
+    </a:lvl3pPr>
+    <a:lvl4pPr marL="1371600" algn="l" defTabSz="914400" rtl="0" eaLnBrk="1" latinLnBrk="0" hangingPunct="1">
+      <a:defRPr sz="1200" kern="1200">
+        <a:solidFill>
+          <a:schemeClr val="tx1"/>
+        </a:solidFill>
+        <a:latin typeface="+mn-lt"/>
+        <a:ea typeface="+mn-ea"/>
+        <a:cs typeface="+mn-cs"/>
+      </a:defRPr>
+    </a:lvl4pPr>
+    <a:lvl5pPr marL="1828800" algn="l" defTabSz="914400" rtl="0" eaLnBrk="1" latinLnBrk="0" hangingPunct="1">
+      <a:defRPr sz="1200" kern="1200">
+        <a:solidFill>
+          <a:schemeClr val="tx1"/>
+        </a:solidFill>
+        <a:latin typeface="+mn-lt"/>
+        <a:ea typeface="+mn-ea"/>
+        <a:cs typeface="+mn-cs"/>
+      </a:defRPr>
+    </a:lvl5pPr>
+    <a:lvl6pPr marL="2286000" algn="l" defTabSz="914400" rtl="0" eaLnBrk="1" latinLnBrk="0" hangingPunct="1">
+      <a:defRPr sz="1200" kern="1200">
+        <a:solidFill>
+          <a:schemeClr val="tx1"/>
+        </a:solidFill>
+        <a:latin typeface="+mn-lt"/>
+        <a:ea typeface="+mn-ea"/>
+        <a:cs typeface="+mn-cs"/>
+      </a:defRPr>
+    </a:lvl6pPr>
+    <a:lvl7pPr marL="2743200" algn="l" defTabSz="914400" rtl="0" eaLnBrk="1" latinLnBrk="0" hangingPunct="1">
+      <a:defRPr sz="1200" kern="1200">
+        <a:solidFill>
+          <a:schemeClr val="tx1"/>
+        </a:solidFill>
+        <a:latin typeface="+mn-lt"/>
+        <a:ea typeface="+mn-ea"/>
+        <a:cs typeface="+mn-cs"/>
+      </a:defRPr>
+    </a:lvl7pPr>
+    <a:lvl8pPr marL="3200400" algn="l" defTabSz="914400" rtl="0" eaLnBrk="1" latinLnBrk="0" hangingPunct="1">
+      <a:defRPr sz="1200" kern="1200">
+        <a:solidFill>
+          <a:schemeClr val="tx1"/>
+        </a:solidFill>
+        <a:latin typeface="+mn-lt"/>
+        <a:ea typeface="+mn-ea"/>
+        <a:cs typeface="+mn-cs"/>
+      </a:defRPr>
+    </a:lvl8pPr>
+    <a:lvl9pPr marL="3657600" algn="l" defTabSz="914400" rtl="0" eaLnBrk="1" latinLnBrk="0" hangingPunct="1">
+      <a:defRPr sz="1200" kern="1200">
+        <a:solidFill>
+          <a:schemeClr val="tx1"/>
+        </a:solidFill>
+        <a:latin typeface="+mn-lt"/>
+        <a:ea typeface="+mn-ea"/>
+        <a:cs typeface="+mn-cs"/>
+      </a:defRPr>
+    </a:lvl9pPr>
+  </p:notesStyle>
+</p:notesMaster>
+</file>
+
+<file path=ppt/notesSlides/notesSlide1.xml><?xml version="1.0" encoding="utf-8"?>
+<p:notes xmlns:a="http://schemas.openxmlformats.org/drawingml/2006/main" xmlns:r="http://schemas.openxmlformats.org/officeDocument/2006/relationships" xmlns:p="http://schemas.openxmlformats.org/presentationml/2006/main">
+  <p:cSld>
+    <p:spTree>
+      <p:nvGrpSpPr>
+        <p:cNvPr id="1" name=""/>
+        <p:cNvGrpSpPr/>
+        <p:nvPr/>
+      </p:nvGrpSpPr>
+      <p:grpSpPr>
+        <a:xfrm>
+          <a:off x="0" y="0"/>
+          <a:ext cx="0" cy="0"/>
+          <a:chOff x="0" y="0"/>
+          <a:chExt cx="0" cy="0"/>
+        </a:xfrm>
+      </p:grpSpPr>
+      <p:sp>
+        <p:nvSpPr>
+          <p:cNvPr id="2" name="Образ слайда 1"/>
+          <p:cNvSpPr>
+            <a:spLocks noGrp="1" noRot="1" noChangeAspect="1"/>
+          </p:cNvSpPr>
+          <p:nvPr>
+            <p:ph type="sldImg"/>
+          </p:nvPr>
+        </p:nvSpPr>
+        <p:spPr/>
+      </p:sp>
+      <p:sp>
+        <p:nvSpPr>
+          <p:cNvPr id="3" name="Заметки 2"/>
+          <p:cNvSpPr>
+            <a:spLocks noGrp="1"/>
+          </p:cNvSpPr>
+          <p:nvPr>
+            <p:ph type="body" idx="1"/>
+          </p:nvPr>
+        </p:nvSpPr>
+        <p:spPr/>
+        <p:txBody>
+          <a:bodyPr/>
+          <a:lstStyle/>
+          <a:p>
+            <a:endParaRPr lang="ru-RU" dirty="0"/>
+          </a:p>
+        </p:txBody>
+      </p:sp>
+      <p:sp>
+        <p:nvSpPr>
+          <p:cNvPr id="4" name="Номер слайда 3"/>
+          <p:cNvSpPr>
+            <a:spLocks noGrp="1"/>
+          </p:cNvSpPr>
+          <p:nvPr>
+            <p:ph type="sldNum" sz="quarter" idx="10"/>
+          </p:nvPr>
+        </p:nvSpPr>
+        <p:spPr/>
+        <p:txBody>
+          <a:bodyPr/>
+          <a:lstStyle/>
+          <a:p>
+            <a:fld id="{956C5DAF-3698-4CC2-8653-EDE49E64B433}" type="slidenum">
+              <a:rPr lang="ru-RU" smtClean="0"/>
+              <a:t>5</a:t>
+            </a:fld>
+            <a:endParaRPr lang="ru-RU"/>
+          </a:p>
+        </p:txBody>
+      </p:sp>
+    </p:spTree>
+    <p:extLst>
+      <p:ext uri="{BB962C8B-B14F-4D97-AF65-F5344CB8AC3E}">
+        <p14:creationId xmlns:p14="http://schemas.microsoft.com/office/powerpoint/2010/main" val="967486058"/>
+      </p:ext>
+    </p:extLst>
+  </p:cSld>
+  <p:clrMapOvr>
+    <a:masterClrMapping/>
+  </p:clrMapOvr>
+</p:notes>
 </file>
 
 <file path=ppt/slideLayouts/slideLayout1.xml><?xml version="1.0" encoding="utf-8"?>
@@ -3091,6 +3541,1271 @@
 </p:sld>
 </file>
 
+<file path=ppt/slides/slide10.xml><?xml version="1.0" encoding="utf-8"?>
+<p:sld xmlns:a="http://schemas.openxmlformats.org/drawingml/2006/main" xmlns:r="http://schemas.openxmlformats.org/officeDocument/2006/relationships" xmlns:p="http://schemas.openxmlformats.org/presentationml/2006/main">
+  <p:cSld>
+    <p:spTree>
+      <p:nvGrpSpPr>
+        <p:cNvPr id="1" name=""/>
+        <p:cNvGrpSpPr/>
+        <p:nvPr/>
+      </p:nvGrpSpPr>
+      <p:grpSpPr>
+        <a:xfrm>
+          <a:off x="0" y="0"/>
+          <a:ext cx="0" cy="0"/>
+          <a:chOff x="0" y="0"/>
+          <a:chExt cx="0" cy="0"/>
+        </a:xfrm>
+      </p:grpSpPr>
+      <p:pic>
+        <p:nvPicPr>
+          <p:cNvPr id="4" name="Рисунок 3">
+            <a:extLst>
+              <a:ext uri="{FF2B5EF4-FFF2-40B4-BE49-F238E27FC236}">
+                <a16:creationId xmlns:a16="http://schemas.microsoft.com/office/drawing/2014/main" id="{A0AC5339-4522-B1BF-D425-ECFE3587238E}"/>
+              </a:ext>
+            </a:extLst>
+          </p:cNvPr>
+          <p:cNvPicPr>
+            <a:picLocks noChangeAspect="1"/>
+          </p:cNvPicPr>
+          <p:nvPr/>
+        </p:nvPicPr>
+        <p:blipFill>
+          <a:blip r:embed="rId2" cstate="print">
+            <a:extLst>
+              <a:ext uri="{28A0092B-C50C-407E-A947-70E740481C1C}">
+                <a14:useLocalDpi xmlns:a14="http://schemas.microsoft.com/office/drawing/2010/main" val="0"/>
+              </a:ext>
+            </a:extLst>
+          </a:blip>
+          <a:stretch>
+            <a:fillRect/>
+          </a:stretch>
+        </p:blipFill>
+        <p:spPr>
+          <a:xfrm>
+            <a:off x="-112542" y="-1"/>
+            <a:ext cx="2164542" cy="935523"/>
+          </a:xfrm>
+          <a:prstGeom prst="rect">
+            <a:avLst/>
+          </a:prstGeom>
+        </p:spPr>
+      </p:pic>
+      <p:sp>
+        <p:nvSpPr>
+          <p:cNvPr id="6" name="TextBox 5">
+            <a:extLst>
+              <a:ext uri="{FF2B5EF4-FFF2-40B4-BE49-F238E27FC236}">
+                <a16:creationId xmlns:a16="http://schemas.microsoft.com/office/drawing/2014/main" id="{87E2D704-6CA7-FA6C-184A-29AD22314EE5}"/>
+              </a:ext>
+            </a:extLst>
+          </p:cNvPr>
+          <p:cNvSpPr txBox="1"/>
+          <p:nvPr/>
+        </p:nvSpPr>
+        <p:spPr>
+          <a:xfrm>
+            <a:off x="7839077" y="0"/>
+            <a:ext cx="4352923" cy="584775"/>
+          </a:xfrm>
+          <a:prstGeom prst="rect">
+            <a:avLst/>
+          </a:prstGeom>
+          <a:noFill/>
+        </p:spPr>
+        <p:txBody>
+          <a:bodyPr wrap="none" rtlCol="0">
+            <a:spAutoFit/>
+          </a:bodyPr>
+          <a:lstStyle/>
+          <a:p>
+            <a:pPr algn="r"/>
+            <a:r>
+              <a:rPr lang="ru-RU" sz="3200" dirty="0" smtClean="0"/>
+              <a:t>Модели развёртывания</a:t>
+            </a:r>
+            <a:endParaRPr lang="ru-RU" sz="3200" dirty="0"/>
+          </a:p>
+        </p:txBody>
+      </p:sp>
+      <p:sp>
+        <p:nvSpPr>
+          <p:cNvPr id="2" name="TextBox 1"/>
+          <p:cNvSpPr txBox="1"/>
+          <p:nvPr/>
+        </p:nvSpPr>
+        <p:spPr>
+          <a:xfrm>
+            <a:off x="676656" y="1349138"/>
+            <a:ext cx="4599432" cy="1815882"/>
+          </a:xfrm>
+          <a:prstGeom prst="rect">
+            <a:avLst/>
+          </a:prstGeom>
+          <a:solidFill>
+            <a:schemeClr val="accent6">
+              <a:lumMod val="60000"/>
+              <a:lumOff val="40000"/>
+            </a:schemeClr>
+          </a:solidFill>
+          <a:ln>
+            <a:solidFill>
+              <a:schemeClr val="tx1"/>
+            </a:solidFill>
+          </a:ln>
+          <a:effectLst>
+            <a:outerShdw blurRad="50800" dist="38100" dir="2700000" algn="tl" rotWithShape="0">
+              <a:prstClr val="black">
+                <a:alpha val="40000"/>
+              </a:prstClr>
+            </a:outerShdw>
+          </a:effectLst>
+        </p:spPr>
+        <p:txBody>
+          <a:bodyPr wrap="square" rtlCol="0">
+            <a:spAutoFit/>
+          </a:bodyPr>
+          <a:lstStyle/>
+          <a:p>
+            <a:r>
+              <a:rPr lang="ru-RU" sz="1400" b="1" dirty="0"/>
+              <a:t>Публичное облако</a:t>
+            </a:r>
+            <a:r>
+              <a:rPr lang="ru-RU" sz="1400" dirty="0"/>
+              <a:t> </a:t>
+            </a:r>
+            <a:r>
+              <a:rPr lang="ru-RU" sz="1400" dirty="0" smtClean="0"/>
+              <a:t>(</a:t>
+            </a:r>
+            <a:r>
+              <a:rPr lang="ru-RU" sz="1400" i="1" dirty="0" err="1" smtClean="0"/>
+              <a:t>public</a:t>
+            </a:r>
+            <a:r>
+              <a:rPr lang="ru-RU" sz="1400" i="1" dirty="0" smtClean="0"/>
+              <a:t> </a:t>
+            </a:r>
+            <a:r>
+              <a:rPr lang="ru-RU" sz="1400" i="1" dirty="0" err="1"/>
+              <a:t>cloud</a:t>
+            </a:r>
+            <a:r>
+              <a:rPr lang="ru-RU" sz="1400" dirty="0"/>
+              <a:t>) — инфраструктура, предназначенная для свободного использования широкой публикой. Публичное облако может находиться в собственности, управлении и эксплуатации коммерческих, научных и правительственных организаций (или какой-либо их комбинации). Публичное облако физически существует в юрисдикции владельца — поставщика услуг.</a:t>
+            </a:r>
+          </a:p>
+        </p:txBody>
+      </p:sp>
+      <p:sp>
+        <p:nvSpPr>
+          <p:cNvPr id="3" name="TextBox 2"/>
+          <p:cNvSpPr txBox="1"/>
+          <p:nvPr/>
+        </p:nvSpPr>
+        <p:spPr>
+          <a:xfrm>
+            <a:off x="5815584" y="1003834"/>
+            <a:ext cx="6025896" cy="1815882"/>
+          </a:xfrm>
+          <a:prstGeom prst="rect">
+            <a:avLst/>
+          </a:prstGeom>
+          <a:solidFill>
+            <a:schemeClr val="accent2">
+              <a:lumMod val="20000"/>
+              <a:lumOff val="80000"/>
+            </a:schemeClr>
+          </a:solidFill>
+          <a:ln>
+            <a:solidFill>
+              <a:schemeClr val="tx1"/>
+            </a:solidFill>
+          </a:ln>
+          <a:effectLst>
+            <a:outerShdw blurRad="50800" dist="38100" dir="2700000" algn="tl" rotWithShape="0">
+              <a:prstClr val="black">
+                <a:alpha val="40000"/>
+              </a:prstClr>
+            </a:outerShdw>
+          </a:effectLst>
+        </p:spPr>
+        <p:txBody>
+          <a:bodyPr wrap="square" rtlCol="0">
+            <a:spAutoFit/>
+          </a:bodyPr>
+          <a:lstStyle/>
+          <a:p>
+            <a:r>
+              <a:rPr lang="ru-RU" sz="1400" b="1" dirty="0"/>
+              <a:t>Частное облако</a:t>
+            </a:r>
+            <a:r>
+              <a:rPr lang="ru-RU" sz="1400" dirty="0"/>
+              <a:t> </a:t>
+            </a:r>
+            <a:r>
+              <a:rPr lang="ru-RU" sz="1400" dirty="0" smtClean="0"/>
+              <a:t>(</a:t>
+            </a:r>
+            <a:r>
+              <a:rPr lang="ru-RU" sz="1400" i="1" dirty="0" err="1" smtClean="0"/>
+              <a:t>private</a:t>
+            </a:r>
+            <a:r>
+              <a:rPr lang="ru-RU" sz="1400" i="1" dirty="0" smtClean="0"/>
+              <a:t> </a:t>
+            </a:r>
+            <a:r>
+              <a:rPr lang="ru-RU" sz="1400" i="1" dirty="0" err="1"/>
+              <a:t>cloud</a:t>
+            </a:r>
+            <a:r>
+              <a:rPr lang="ru-RU" sz="1400" dirty="0"/>
+              <a:t>) — инфраструктура, предназначенная для использования одной организацией, включающей несколько потребителей (например, подразделений одной организации), возможно также клиентами и подрядчиками данной организации. Частное облако </a:t>
+            </a:r>
+            <a:r>
+              <a:rPr lang="ru-RU" sz="1400" dirty="0" smtClean="0"/>
+              <a:t>может </a:t>
+            </a:r>
+            <a:r>
+              <a:rPr lang="ru-RU" sz="1400" dirty="0"/>
+              <a:t>находиться в собственности, управлении и эксплуатации как самой организации, так и третьей стороны (или какой-либо их комбинации), и оно может физически существовать как внутри, так и вне юрисдикции владельца.</a:t>
+            </a:r>
+          </a:p>
+        </p:txBody>
+      </p:sp>
+      <p:sp>
+        <p:nvSpPr>
+          <p:cNvPr id="5" name="TextBox 4"/>
+          <p:cNvSpPr txBox="1"/>
+          <p:nvPr/>
+        </p:nvSpPr>
+        <p:spPr>
+          <a:xfrm>
+            <a:off x="1170432" y="3587780"/>
+            <a:ext cx="4910328" cy="2462213"/>
+          </a:xfrm>
+          <a:prstGeom prst="rect">
+            <a:avLst/>
+          </a:prstGeom>
+          <a:solidFill>
+            <a:schemeClr val="accent5">
+              <a:lumMod val="40000"/>
+              <a:lumOff val="60000"/>
+            </a:schemeClr>
+          </a:solidFill>
+          <a:ln>
+            <a:solidFill>
+              <a:schemeClr val="tx1"/>
+            </a:solidFill>
+          </a:ln>
+          <a:effectLst>
+            <a:outerShdw blurRad="50800" dist="38100" dir="2700000" algn="tl" rotWithShape="0">
+              <a:prstClr val="black">
+                <a:alpha val="40000"/>
+              </a:prstClr>
+            </a:outerShdw>
+          </a:effectLst>
+        </p:spPr>
+        <p:txBody>
+          <a:bodyPr wrap="square" rtlCol="0">
+            <a:spAutoFit/>
+          </a:bodyPr>
+          <a:lstStyle/>
+          <a:p>
+            <a:r>
+              <a:rPr lang="ru-RU" sz="1400" b="1" dirty="0"/>
+              <a:t>Общественное облако</a:t>
+            </a:r>
+            <a:r>
+              <a:rPr lang="ru-RU" sz="1400" dirty="0"/>
+              <a:t> </a:t>
+            </a:r>
+            <a:r>
+              <a:rPr lang="ru-RU" sz="1400" dirty="0" smtClean="0"/>
+              <a:t>(</a:t>
+            </a:r>
+            <a:r>
+              <a:rPr lang="ru-RU" sz="1400" i="1" dirty="0" err="1" smtClean="0"/>
+              <a:t>community</a:t>
+            </a:r>
+            <a:r>
+              <a:rPr lang="ru-RU" sz="1400" i="1" dirty="0" smtClean="0"/>
+              <a:t> </a:t>
+            </a:r>
+            <a:r>
+              <a:rPr lang="ru-RU" sz="1400" i="1" dirty="0" err="1"/>
+              <a:t>cloud</a:t>
+            </a:r>
+            <a:r>
+              <a:rPr lang="ru-RU" sz="1400" dirty="0"/>
+              <a:t>) — вид инфраструктуры, предназначенный для использования конкретным сообществом потребителей из организаций, имеющих общие задачи (например, миссии, требований безопасности, политики, и соответствия различным требованиям). Общественное облако может находиться в кооперативной (совместной) собственности, управлении и эксплуатации одной или более из организаций сообщества или третьей стороны (или какой-либо их комбинации), и оно может физически существовать как внутри, так и вне юрисдикции владельца.</a:t>
+            </a:r>
+          </a:p>
+        </p:txBody>
+      </p:sp>
+      <p:sp>
+        <p:nvSpPr>
+          <p:cNvPr id="7" name="TextBox 6"/>
+          <p:cNvSpPr txBox="1"/>
+          <p:nvPr/>
+        </p:nvSpPr>
+        <p:spPr>
+          <a:xfrm>
+            <a:off x="6848856" y="3492328"/>
+            <a:ext cx="4096512" cy="2246769"/>
+          </a:xfrm>
+          <a:prstGeom prst="rect">
+            <a:avLst/>
+          </a:prstGeom>
+          <a:solidFill>
+            <a:schemeClr val="accent4">
+              <a:lumMod val="40000"/>
+              <a:lumOff val="60000"/>
+            </a:schemeClr>
+          </a:solidFill>
+          <a:ln>
+            <a:solidFill>
+              <a:schemeClr val="tx1"/>
+            </a:solidFill>
+          </a:ln>
+          <a:effectLst>
+            <a:outerShdw blurRad="50800" dist="38100" dir="2700000" algn="tl" rotWithShape="0">
+              <a:prstClr val="black">
+                <a:alpha val="40000"/>
+              </a:prstClr>
+            </a:outerShdw>
+          </a:effectLst>
+        </p:spPr>
+        <p:txBody>
+          <a:bodyPr wrap="square" rtlCol="0">
+            <a:spAutoFit/>
+          </a:bodyPr>
+          <a:lstStyle/>
+          <a:p>
+            <a:r>
+              <a:rPr lang="ru-RU" sz="1400" b="1" dirty="0"/>
+              <a:t>Гибридное облако</a:t>
+            </a:r>
+            <a:r>
+              <a:rPr lang="ru-RU" sz="1400" dirty="0"/>
+              <a:t> </a:t>
+            </a:r>
+            <a:r>
+              <a:rPr lang="ru-RU" sz="1400" dirty="0" smtClean="0"/>
+              <a:t>(</a:t>
+            </a:r>
+            <a:r>
+              <a:rPr lang="ru-RU" sz="1400" i="1" dirty="0" err="1" smtClean="0"/>
+              <a:t>hybrid</a:t>
+            </a:r>
+            <a:r>
+              <a:rPr lang="ru-RU" sz="1400" i="1" dirty="0" smtClean="0"/>
+              <a:t> </a:t>
+            </a:r>
+            <a:r>
+              <a:rPr lang="ru-RU" sz="1400" i="1" dirty="0" err="1"/>
+              <a:t>cloud</a:t>
+            </a:r>
+            <a:r>
+              <a:rPr lang="ru-RU" sz="1400" dirty="0"/>
+              <a:t>) — это комбинация из двух или более различных облачных инфраструктур (частных, публичных или общественных), остающихся уникальными объектами, но связанных между собой стандартизованными или частными технологиями передачи данных и приложений (например, кратковременное использование ресурсов публичных облаков </a:t>
+            </a:r>
+            <a:r>
+              <a:rPr lang="ru-RU" sz="1400" dirty="0" smtClean="0"/>
+              <a:t>для балансировки нагрузки</a:t>
+            </a:r>
+            <a:r>
+              <a:rPr lang="ru-RU" sz="1400" dirty="0"/>
+              <a:t> между облаками).</a:t>
+            </a:r>
+          </a:p>
+        </p:txBody>
+      </p:sp>
+    </p:spTree>
+    <p:extLst>
+      <p:ext uri="{BB962C8B-B14F-4D97-AF65-F5344CB8AC3E}">
+        <p14:creationId xmlns:p14="http://schemas.microsoft.com/office/powerpoint/2010/main" val="1338626210"/>
+      </p:ext>
+    </p:extLst>
+  </p:cSld>
+  <p:clrMapOvr>
+    <a:masterClrMapping/>
+  </p:clrMapOvr>
+</p:sld>
+</file>
+
+<file path=ppt/slides/slide11.xml><?xml version="1.0" encoding="utf-8"?>
+<p:sld xmlns:a="http://schemas.openxmlformats.org/drawingml/2006/main" xmlns:r="http://schemas.openxmlformats.org/officeDocument/2006/relationships" xmlns:p="http://schemas.openxmlformats.org/presentationml/2006/main">
+  <p:cSld>
+    <p:spTree>
+      <p:nvGrpSpPr>
+        <p:cNvPr id="1" name=""/>
+        <p:cNvGrpSpPr/>
+        <p:nvPr/>
+      </p:nvGrpSpPr>
+      <p:grpSpPr>
+        <a:xfrm>
+          <a:off x="0" y="0"/>
+          <a:ext cx="0" cy="0"/>
+          <a:chOff x="0" y="0"/>
+          <a:chExt cx="0" cy="0"/>
+        </a:xfrm>
+      </p:grpSpPr>
+      <p:pic>
+        <p:nvPicPr>
+          <p:cNvPr id="4" name="Рисунок 3">
+            <a:extLst>
+              <a:ext uri="{FF2B5EF4-FFF2-40B4-BE49-F238E27FC236}">
+                <a16:creationId xmlns:a16="http://schemas.microsoft.com/office/drawing/2014/main" id="{A0AC5339-4522-B1BF-D425-ECFE3587238E}"/>
+              </a:ext>
+            </a:extLst>
+          </p:cNvPr>
+          <p:cNvPicPr>
+            <a:picLocks noChangeAspect="1"/>
+          </p:cNvPicPr>
+          <p:nvPr/>
+        </p:nvPicPr>
+        <p:blipFill>
+          <a:blip r:embed="rId2" cstate="print">
+            <a:extLst>
+              <a:ext uri="{28A0092B-C50C-407E-A947-70E740481C1C}">
+                <a14:useLocalDpi xmlns:a14="http://schemas.microsoft.com/office/drawing/2010/main" val="0"/>
+              </a:ext>
+            </a:extLst>
+          </a:blip>
+          <a:stretch>
+            <a:fillRect/>
+          </a:stretch>
+        </p:blipFill>
+        <p:spPr>
+          <a:xfrm>
+            <a:off x="-112542" y="-1"/>
+            <a:ext cx="2164542" cy="935523"/>
+          </a:xfrm>
+          <a:prstGeom prst="rect">
+            <a:avLst/>
+          </a:prstGeom>
+        </p:spPr>
+      </p:pic>
+      <p:pic>
+        <p:nvPicPr>
+          <p:cNvPr id="11266" name="Picture 2" descr="Big Misconceptions about Bare Metal, Virtual Machines, and Containers -  YouTube"/>
+          <p:cNvPicPr>
+            <a:picLocks noChangeAspect="1" noChangeArrowheads="1"/>
+          </p:cNvPicPr>
+          <p:nvPr/>
+        </p:nvPicPr>
+        <p:blipFill>
+          <a:blip r:embed="rId3">
+            <a:extLst>
+              <a:ext uri="{28A0092B-C50C-407E-A947-70E740481C1C}">
+                <a14:useLocalDpi xmlns:a14="http://schemas.microsoft.com/office/drawing/2010/main" val="0"/>
+              </a:ext>
+            </a:extLst>
+          </a:blip>
+          <a:srcRect/>
+          <a:stretch>
+            <a:fillRect/>
+          </a:stretch>
+        </p:blipFill>
+        <p:spPr bwMode="auto">
+          <a:xfrm>
+            <a:off x="841247" y="1002149"/>
+            <a:ext cx="10698481" cy="6017896"/>
+          </a:xfrm>
+          <a:prstGeom prst="rect">
+            <a:avLst/>
+          </a:prstGeom>
+          <a:noFill/>
+          <a:extLst>
+            <a:ext uri="{909E8E84-426E-40DD-AFC4-6F175D3DCCD1}">
+              <a14:hiddenFill xmlns:a14="http://schemas.microsoft.com/office/drawing/2010/main">
+                <a:solidFill>
+                  <a:srgbClr val="FFFFFF"/>
+                </a:solidFill>
+              </a14:hiddenFill>
+            </a:ext>
+          </a:extLst>
+        </p:spPr>
+      </p:pic>
+      <p:sp>
+        <p:nvSpPr>
+          <p:cNvPr id="5" name="TextBox 4">
+            <a:extLst>
+              <a:ext uri="{FF2B5EF4-FFF2-40B4-BE49-F238E27FC236}">
+                <a16:creationId xmlns:a16="http://schemas.microsoft.com/office/drawing/2014/main" id="{87E2D704-6CA7-FA6C-184A-29AD22314EE5}"/>
+              </a:ext>
+            </a:extLst>
+          </p:cNvPr>
+          <p:cNvSpPr txBox="1"/>
+          <p:nvPr/>
+        </p:nvSpPr>
+        <p:spPr>
+          <a:xfrm>
+            <a:off x="9365584" y="0"/>
+            <a:ext cx="2826416" cy="584775"/>
+          </a:xfrm>
+          <a:prstGeom prst="rect">
+            <a:avLst/>
+          </a:prstGeom>
+          <a:noFill/>
+        </p:spPr>
+        <p:txBody>
+          <a:bodyPr wrap="none" rtlCol="0">
+            <a:spAutoFit/>
+          </a:bodyPr>
+          <a:lstStyle/>
+          <a:p>
+            <a:pPr algn="r"/>
+            <a:r>
+              <a:rPr lang="ru-RU" sz="3200" dirty="0" smtClean="0"/>
+              <a:t>Виртуализация</a:t>
+            </a:r>
+            <a:endParaRPr lang="ru-RU" sz="3200" dirty="0"/>
+          </a:p>
+        </p:txBody>
+      </p:sp>
+      <p:sp>
+        <p:nvSpPr>
+          <p:cNvPr id="2" name="TextBox 1"/>
+          <p:cNvSpPr txBox="1"/>
+          <p:nvPr/>
+        </p:nvSpPr>
+        <p:spPr>
+          <a:xfrm>
+            <a:off x="319211" y="5657898"/>
+            <a:ext cx="1815085" cy="1169551"/>
+          </a:xfrm>
+          <a:prstGeom prst="rect">
+            <a:avLst/>
+          </a:prstGeom>
+          <a:solidFill>
+            <a:schemeClr val="accent4">
+              <a:lumMod val="60000"/>
+              <a:lumOff val="40000"/>
+            </a:schemeClr>
+          </a:solidFill>
+          <a:ln>
+            <a:solidFill>
+              <a:schemeClr val="tx1"/>
+            </a:solidFill>
+          </a:ln>
+          <a:effectLst>
+            <a:outerShdw blurRad="50800" dist="38100" dir="2700000" algn="tl" rotWithShape="0">
+              <a:prstClr val="black">
+                <a:alpha val="40000"/>
+              </a:prstClr>
+            </a:outerShdw>
+          </a:effectLst>
+        </p:spPr>
+        <p:txBody>
+          <a:bodyPr wrap="square" rtlCol="0">
+            <a:spAutoFit/>
+          </a:bodyPr>
+          <a:lstStyle/>
+          <a:p>
+            <a:r>
+              <a:rPr lang="ru-RU" sz="1400" dirty="0"/>
+              <a:t>Мощность</a:t>
+            </a:r>
+          </a:p>
+          <a:p>
+            <a:r>
+              <a:rPr lang="ru-RU" sz="1400" dirty="0"/>
+              <a:t>Безопасность</a:t>
+            </a:r>
+          </a:p>
+          <a:p>
+            <a:r>
+              <a:rPr lang="ru-RU" sz="1400" dirty="0" err="1"/>
+              <a:t>Preconfigured</a:t>
+            </a:r>
+            <a:r>
+              <a:rPr lang="ru-RU" sz="1400" dirty="0"/>
+              <a:t> 30 мин</a:t>
+            </a:r>
+          </a:p>
+          <a:p>
+            <a:r>
+              <a:rPr lang="ru-RU" sz="1400" dirty="0"/>
+              <a:t>Заказной - 1 день</a:t>
+            </a:r>
+          </a:p>
+          <a:p>
+            <a:endParaRPr lang="ru-RU" sz="1400" dirty="0"/>
+          </a:p>
+        </p:txBody>
+      </p:sp>
+      <p:sp>
+        <p:nvSpPr>
+          <p:cNvPr id="9" name="TextBox 8"/>
+          <p:cNvSpPr txBox="1"/>
+          <p:nvPr/>
+        </p:nvSpPr>
+        <p:spPr>
+          <a:xfrm>
+            <a:off x="6381683" y="2090857"/>
+            <a:ext cx="1815085" cy="1384995"/>
+          </a:xfrm>
+          <a:prstGeom prst="rect">
+            <a:avLst/>
+          </a:prstGeom>
+          <a:solidFill>
+            <a:schemeClr val="accent6">
+              <a:lumMod val="60000"/>
+              <a:lumOff val="40000"/>
+            </a:schemeClr>
+          </a:solidFill>
+          <a:ln>
+            <a:solidFill>
+              <a:schemeClr val="tx1"/>
+            </a:solidFill>
+          </a:ln>
+          <a:effectLst>
+            <a:outerShdw blurRad="50800" dist="38100" dir="2700000" algn="tl" rotWithShape="0">
+              <a:prstClr val="black">
+                <a:alpha val="40000"/>
+              </a:prstClr>
+            </a:outerShdw>
+          </a:effectLst>
+        </p:spPr>
+        <p:txBody>
+          <a:bodyPr wrap="square" rtlCol="0">
+            <a:spAutoFit/>
+          </a:bodyPr>
+          <a:lstStyle/>
+          <a:p>
+            <a:r>
+              <a:rPr lang="ru-RU" sz="1400" dirty="0" smtClean="0"/>
+              <a:t>Гипервизор</a:t>
+            </a:r>
+            <a:endParaRPr lang="ru-RU" sz="1400" dirty="0"/>
+          </a:p>
+          <a:p>
+            <a:r>
+              <a:rPr lang="ru-RU" sz="1400" dirty="0" smtClean="0"/>
+              <a:t>Изоляция </a:t>
+            </a:r>
+            <a:r>
+              <a:rPr lang="en-US" sz="1400" dirty="0" smtClean="0"/>
+              <a:t>VM</a:t>
+            </a:r>
+            <a:endParaRPr lang="ru-RU" sz="1400" dirty="0"/>
+          </a:p>
+          <a:p>
+            <a:r>
+              <a:rPr lang="ru-RU" sz="1400" dirty="0" smtClean="0"/>
+              <a:t>Миграция</a:t>
+            </a:r>
+          </a:p>
+          <a:p>
+            <a:pPr marL="285750" indent="-285750">
+              <a:buFont typeface="Arial" panose="020B0604020202020204" pitchFamily="34" charset="0"/>
+              <a:buChar char="•"/>
+            </a:pPr>
+            <a:r>
+              <a:rPr lang="ru-RU" sz="1400" dirty="0" smtClean="0"/>
+              <a:t>+</a:t>
+            </a:r>
+            <a:r>
+              <a:rPr lang="en-US" sz="1400" dirty="0" smtClean="0"/>
+              <a:t>Live!</a:t>
+            </a:r>
+            <a:endParaRPr lang="ru-RU" sz="1400" dirty="0" smtClean="0"/>
+          </a:p>
+          <a:p>
+            <a:r>
+              <a:rPr lang="ru-RU" sz="1400" dirty="0" smtClean="0"/>
+              <a:t>1 мин</a:t>
+            </a:r>
+            <a:endParaRPr lang="ru-RU" sz="1400" dirty="0"/>
+          </a:p>
+          <a:p>
+            <a:endParaRPr lang="ru-RU" sz="1400" dirty="0"/>
+          </a:p>
+        </p:txBody>
+      </p:sp>
+      <p:sp>
+        <p:nvSpPr>
+          <p:cNvPr id="10" name="TextBox 9"/>
+          <p:cNvSpPr txBox="1"/>
+          <p:nvPr/>
+        </p:nvSpPr>
+        <p:spPr>
+          <a:xfrm>
+            <a:off x="10732139" y="5126665"/>
+            <a:ext cx="1411921" cy="1169551"/>
+          </a:xfrm>
+          <a:prstGeom prst="rect">
+            <a:avLst/>
+          </a:prstGeom>
+          <a:solidFill>
+            <a:srgbClr val="FFFF00"/>
+          </a:solidFill>
+          <a:ln>
+            <a:solidFill>
+              <a:schemeClr val="tx1"/>
+            </a:solidFill>
+          </a:ln>
+          <a:effectLst>
+            <a:outerShdw blurRad="50800" dist="38100" dir="2700000" algn="tl" rotWithShape="0">
+              <a:prstClr val="black">
+                <a:alpha val="40000"/>
+              </a:prstClr>
+            </a:outerShdw>
+          </a:effectLst>
+        </p:spPr>
+        <p:txBody>
+          <a:bodyPr wrap="square" rtlCol="0">
+            <a:spAutoFit/>
+          </a:bodyPr>
+          <a:lstStyle/>
+          <a:p>
+            <a:r>
+              <a:rPr lang="ru-RU" sz="1400" dirty="0" smtClean="0"/>
+              <a:t>Общее ядро ОС</a:t>
+            </a:r>
+            <a:endParaRPr lang="ru-RU" sz="1400" dirty="0"/>
+          </a:p>
+          <a:p>
+            <a:r>
+              <a:rPr lang="ru-RU" sz="1400" dirty="0" smtClean="0"/>
+              <a:t>Экономия</a:t>
+            </a:r>
+            <a:endParaRPr lang="ru-RU" sz="1400" dirty="0"/>
+          </a:p>
+          <a:p>
+            <a:r>
+              <a:rPr lang="en-US" sz="1400" dirty="0" smtClean="0"/>
+              <a:t>Registry</a:t>
+            </a:r>
+            <a:endParaRPr lang="ru-RU" sz="1400" dirty="0" smtClean="0"/>
+          </a:p>
+          <a:p>
+            <a:r>
+              <a:rPr lang="ru-RU" sz="1400" dirty="0" smtClean="0"/>
+              <a:t>1 сек</a:t>
+            </a:r>
+            <a:endParaRPr lang="ru-RU" sz="1400" dirty="0"/>
+          </a:p>
+          <a:p>
+            <a:endParaRPr lang="ru-RU" sz="1400" dirty="0"/>
+          </a:p>
+        </p:txBody>
+      </p:sp>
+    </p:spTree>
+    <p:extLst>
+      <p:ext uri="{BB962C8B-B14F-4D97-AF65-F5344CB8AC3E}">
+        <p14:creationId xmlns:p14="http://schemas.microsoft.com/office/powerpoint/2010/main" val="317117432"/>
+      </p:ext>
+    </p:extLst>
+  </p:cSld>
+  <p:clrMapOvr>
+    <a:masterClrMapping/>
+  </p:clrMapOvr>
+</p:sld>
+</file>
+
+<file path=ppt/slides/slide12.xml><?xml version="1.0" encoding="utf-8"?>
+<p:sld xmlns:a="http://schemas.openxmlformats.org/drawingml/2006/main" xmlns:r="http://schemas.openxmlformats.org/officeDocument/2006/relationships" xmlns:p="http://schemas.openxmlformats.org/presentationml/2006/main">
+  <p:cSld>
+    <p:spTree>
+      <p:nvGrpSpPr>
+        <p:cNvPr id="1" name=""/>
+        <p:cNvGrpSpPr/>
+        <p:nvPr/>
+      </p:nvGrpSpPr>
+      <p:grpSpPr>
+        <a:xfrm>
+          <a:off x="0" y="0"/>
+          <a:ext cx="0" cy="0"/>
+          <a:chOff x="0" y="0"/>
+          <a:chExt cx="0" cy="0"/>
+        </a:xfrm>
+      </p:grpSpPr>
+      <p:pic>
+        <p:nvPicPr>
+          <p:cNvPr id="4" name="Рисунок 3">
+            <a:extLst>
+              <a:ext uri="{FF2B5EF4-FFF2-40B4-BE49-F238E27FC236}">
+                <a16:creationId xmlns:a16="http://schemas.microsoft.com/office/drawing/2014/main" id="{A0AC5339-4522-B1BF-D425-ECFE3587238E}"/>
+              </a:ext>
+            </a:extLst>
+          </p:cNvPr>
+          <p:cNvPicPr>
+            <a:picLocks noChangeAspect="1"/>
+          </p:cNvPicPr>
+          <p:nvPr/>
+        </p:nvPicPr>
+        <p:blipFill>
+          <a:blip r:embed="rId2" cstate="print">
+            <a:extLst>
+              <a:ext uri="{28A0092B-C50C-407E-A947-70E740481C1C}">
+                <a14:useLocalDpi xmlns:a14="http://schemas.microsoft.com/office/drawing/2010/main" val="0"/>
+              </a:ext>
+            </a:extLst>
+          </a:blip>
+          <a:stretch>
+            <a:fillRect/>
+          </a:stretch>
+        </p:blipFill>
+        <p:spPr>
+          <a:xfrm>
+            <a:off x="-112542" y="-1"/>
+            <a:ext cx="2164542" cy="935523"/>
+          </a:xfrm>
+          <a:prstGeom prst="rect">
+            <a:avLst/>
+          </a:prstGeom>
+        </p:spPr>
+      </p:pic>
+      <p:sp>
+        <p:nvSpPr>
+          <p:cNvPr id="6" name="TextBox 5">
+            <a:extLst>
+              <a:ext uri="{FF2B5EF4-FFF2-40B4-BE49-F238E27FC236}">
+                <a16:creationId xmlns:a16="http://schemas.microsoft.com/office/drawing/2014/main" id="{87E2D704-6CA7-FA6C-184A-29AD22314EE5}"/>
+              </a:ext>
+            </a:extLst>
+          </p:cNvPr>
+          <p:cNvSpPr txBox="1"/>
+          <p:nvPr/>
+        </p:nvSpPr>
+        <p:spPr>
+          <a:xfrm>
+            <a:off x="9365584" y="0"/>
+            <a:ext cx="2826416" cy="584775"/>
+          </a:xfrm>
+          <a:prstGeom prst="rect">
+            <a:avLst/>
+          </a:prstGeom>
+          <a:noFill/>
+        </p:spPr>
+        <p:txBody>
+          <a:bodyPr wrap="none" rtlCol="0">
+            <a:spAutoFit/>
+          </a:bodyPr>
+          <a:lstStyle/>
+          <a:p>
+            <a:pPr algn="r"/>
+            <a:r>
+              <a:rPr lang="ru-RU" sz="3200" dirty="0" smtClean="0"/>
+              <a:t>Виртуализация</a:t>
+            </a:r>
+            <a:endParaRPr lang="ru-RU" sz="3200" dirty="0"/>
+          </a:p>
+        </p:txBody>
+      </p:sp>
+      <p:pic>
+        <p:nvPicPr>
+          <p:cNvPr id="12292" name="Picture 4" descr="Virtualization and Containerization | Blue Sentry Cloud"/>
+          <p:cNvPicPr>
+            <a:picLocks noChangeAspect="1" noChangeArrowheads="1"/>
+          </p:cNvPicPr>
+          <p:nvPr/>
+        </p:nvPicPr>
+        <p:blipFill>
+          <a:blip r:embed="rId3">
+            <a:extLst>
+              <a:ext uri="{28A0092B-C50C-407E-A947-70E740481C1C}">
+                <a14:useLocalDpi xmlns:a14="http://schemas.microsoft.com/office/drawing/2010/main" val="0"/>
+              </a:ext>
+            </a:extLst>
+          </a:blip>
+          <a:srcRect/>
+          <a:stretch>
+            <a:fillRect/>
+          </a:stretch>
+        </p:blipFill>
+        <p:spPr bwMode="auto">
+          <a:xfrm>
+            <a:off x="280349" y="1105983"/>
+            <a:ext cx="4493695" cy="5532561"/>
+          </a:xfrm>
+          <a:prstGeom prst="rect">
+            <a:avLst/>
+          </a:prstGeom>
+          <a:noFill/>
+          <a:extLst>
+            <a:ext uri="{909E8E84-426E-40DD-AFC4-6F175D3DCCD1}">
+              <a14:hiddenFill xmlns:a14="http://schemas.microsoft.com/office/drawing/2010/main">
+                <a:solidFill>
+                  <a:srgbClr val="FFFFFF"/>
+                </a:solidFill>
+              </a14:hiddenFill>
+            </a:ext>
+          </a:extLst>
+        </p:spPr>
+      </p:pic>
+      <p:pic>
+        <p:nvPicPr>
+          <p:cNvPr id="12294" name="Picture 6" descr="Virtualization and Containerization | Blue Sentry Cloud"/>
+          <p:cNvPicPr>
+            <a:picLocks noChangeAspect="1" noChangeArrowheads="1"/>
+          </p:cNvPicPr>
+          <p:nvPr/>
+        </p:nvPicPr>
+        <p:blipFill>
+          <a:blip r:embed="rId4">
+            <a:extLst>
+              <a:ext uri="{28A0092B-C50C-407E-A947-70E740481C1C}">
+                <a14:useLocalDpi xmlns:a14="http://schemas.microsoft.com/office/drawing/2010/main" val="0"/>
+              </a:ext>
+            </a:extLst>
+          </a:blip>
+          <a:srcRect/>
+          <a:stretch>
+            <a:fillRect/>
+          </a:stretch>
+        </p:blipFill>
+        <p:spPr bwMode="auto">
+          <a:xfrm>
+            <a:off x="6583807" y="758952"/>
+            <a:ext cx="5230808" cy="5879592"/>
+          </a:xfrm>
+          <a:prstGeom prst="rect">
+            <a:avLst/>
+          </a:prstGeom>
+          <a:noFill/>
+          <a:extLst>
+            <a:ext uri="{909E8E84-426E-40DD-AFC4-6F175D3DCCD1}">
+              <a14:hiddenFill xmlns:a14="http://schemas.microsoft.com/office/drawing/2010/main">
+                <a:solidFill>
+                  <a:srgbClr val="FFFFFF"/>
+                </a:solidFill>
+              </a14:hiddenFill>
+            </a:ext>
+          </a:extLst>
+        </p:spPr>
+      </p:pic>
+    </p:spTree>
+    <p:extLst>
+      <p:ext uri="{BB962C8B-B14F-4D97-AF65-F5344CB8AC3E}">
+        <p14:creationId xmlns:p14="http://schemas.microsoft.com/office/powerpoint/2010/main" val="936267332"/>
+      </p:ext>
+    </p:extLst>
+  </p:cSld>
+  <p:clrMapOvr>
+    <a:masterClrMapping/>
+  </p:clrMapOvr>
+</p:sld>
+</file>
+
+<file path=ppt/slides/slide13.xml><?xml version="1.0" encoding="utf-8"?>
+<p:sld xmlns:a="http://schemas.openxmlformats.org/drawingml/2006/main" xmlns:r="http://schemas.openxmlformats.org/officeDocument/2006/relationships" xmlns:p="http://schemas.openxmlformats.org/presentationml/2006/main">
+  <p:cSld>
+    <p:spTree>
+      <p:nvGrpSpPr>
+        <p:cNvPr id="1" name=""/>
+        <p:cNvGrpSpPr/>
+        <p:nvPr/>
+      </p:nvGrpSpPr>
+      <p:grpSpPr>
+        <a:xfrm>
+          <a:off x="0" y="0"/>
+          <a:ext cx="0" cy="0"/>
+          <a:chOff x="0" y="0"/>
+          <a:chExt cx="0" cy="0"/>
+        </a:xfrm>
+      </p:grpSpPr>
+      <p:pic>
+        <p:nvPicPr>
+          <p:cNvPr id="4" name="Рисунок 3">
+            <a:extLst>
+              <a:ext uri="{FF2B5EF4-FFF2-40B4-BE49-F238E27FC236}">
+                <a16:creationId xmlns:a16="http://schemas.microsoft.com/office/drawing/2014/main" id="{A0AC5339-4522-B1BF-D425-ECFE3587238E}"/>
+              </a:ext>
+            </a:extLst>
+          </p:cNvPr>
+          <p:cNvPicPr>
+            <a:picLocks noChangeAspect="1"/>
+          </p:cNvPicPr>
+          <p:nvPr/>
+        </p:nvPicPr>
+        <p:blipFill>
+          <a:blip r:embed="rId2" cstate="print">
+            <a:extLst>
+              <a:ext uri="{28A0092B-C50C-407E-A947-70E740481C1C}">
+                <a14:useLocalDpi xmlns:a14="http://schemas.microsoft.com/office/drawing/2010/main" val="0"/>
+              </a:ext>
+            </a:extLst>
+          </a:blip>
+          <a:stretch>
+            <a:fillRect/>
+          </a:stretch>
+        </p:blipFill>
+        <p:spPr>
+          <a:xfrm>
+            <a:off x="-112542" y="-1"/>
+            <a:ext cx="2164542" cy="935523"/>
+          </a:xfrm>
+          <a:prstGeom prst="rect">
+            <a:avLst/>
+          </a:prstGeom>
+        </p:spPr>
+      </p:pic>
+      <p:sp>
+        <p:nvSpPr>
+          <p:cNvPr id="6" name="TextBox 5">
+            <a:extLst>
+              <a:ext uri="{FF2B5EF4-FFF2-40B4-BE49-F238E27FC236}">
+                <a16:creationId xmlns:a16="http://schemas.microsoft.com/office/drawing/2014/main" id="{87E2D704-6CA7-FA6C-184A-29AD22314EE5}"/>
+              </a:ext>
+            </a:extLst>
+          </p:cNvPr>
+          <p:cNvSpPr txBox="1"/>
+          <p:nvPr/>
+        </p:nvSpPr>
+        <p:spPr>
+          <a:xfrm>
+            <a:off x="9627067" y="0"/>
+            <a:ext cx="2564933" cy="584775"/>
+          </a:xfrm>
+          <a:prstGeom prst="rect">
+            <a:avLst/>
+          </a:prstGeom>
+          <a:noFill/>
+        </p:spPr>
+        <p:txBody>
+          <a:bodyPr wrap="none" rtlCol="0">
+            <a:spAutoFit/>
+          </a:bodyPr>
+          <a:lstStyle/>
+          <a:p>
+            <a:pPr algn="r"/>
+            <a:r>
+              <a:rPr lang="ru-RU" sz="3200" dirty="0" smtClean="0"/>
+              <a:t>Определение</a:t>
+            </a:r>
+            <a:endParaRPr lang="ru-RU" sz="3200" dirty="0"/>
+          </a:p>
+        </p:txBody>
+      </p:sp>
+    </p:spTree>
+    <p:extLst>
+      <p:ext uri="{BB962C8B-B14F-4D97-AF65-F5344CB8AC3E}">
+        <p14:creationId xmlns:p14="http://schemas.microsoft.com/office/powerpoint/2010/main" val="1742555963"/>
+      </p:ext>
+    </p:extLst>
+  </p:cSld>
+  <p:clrMapOvr>
+    <a:masterClrMapping/>
+  </p:clrMapOvr>
+</p:sld>
+</file>
+
+<file path=ppt/slides/slide14.xml><?xml version="1.0" encoding="utf-8"?>
+<p:sld xmlns:a="http://schemas.openxmlformats.org/drawingml/2006/main" xmlns:r="http://schemas.openxmlformats.org/officeDocument/2006/relationships" xmlns:p="http://schemas.openxmlformats.org/presentationml/2006/main">
+  <p:cSld>
+    <p:spTree>
+      <p:nvGrpSpPr>
+        <p:cNvPr id="1" name=""/>
+        <p:cNvGrpSpPr/>
+        <p:nvPr/>
+      </p:nvGrpSpPr>
+      <p:grpSpPr>
+        <a:xfrm>
+          <a:off x="0" y="0"/>
+          <a:ext cx="0" cy="0"/>
+          <a:chOff x="0" y="0"/>
+          <a:chExt cx="0" cy="0"/>
+        </a:xfrm>
+      </p:grpSpPr>
+      <p:pic>
+        <p:nvPicPr>
+          <p:cNvPr id="4" name="Рисунок 3">
+            <a:extLst>
+              <a:ext uri="{FF2B5EF4-FFF2-40B4-BE49-F238E27FC236}">
+                <a16:creationId xmlns:a16="http://schemas.microsoft.com/office/drawing/2014/main" id="{A0AC5339-4522-B1BF-D425-ECFE3587238E}"/>
+              </a:ext>
+            </a:extLst>
+          </p:cNvPr>
+          <p:cNvPicPr>
+            <a:picLocks noChangeAspect="1"/>
+          </p:cNvPicPr>
+          <p:nvPr/>
+        </p:nvPicPr>
+        <p:blipFill>
+          <a:blip r:embed="rId2" cstate="print">
+            <a:extLst>
+              <a:ext uri="{28A0092B-C50C-407E-A947-70E740481C1C}">
+                <a14:useLocalDpi xmlns:a14="http://schemas.microsoft.com/office/drawing/2010/main" val="0"/>
+              </a:ext>
+            </a:extLst>
+          </a:blip>
+          <a:stretch>
+            <a:fillRect/>
+          </a:stretch>
+        </p:blipFill>
+        <p:spPr>
+          <a:xfrm>
+            <a:off x="-112542" y="-1"/>
+            <a:ext cx="2164542" cy="935523"/>
+          </a:xfrm>
+          <a:prstGeom prst="rect">
+            <a:avLst/>
+          </a:prstGeom>
+        </p:spPr>
+      </p:pic>
+      <p:sp>
+        <p:nvSpPr>
+          <p:cNvPr id="6" name="TextBox 5">
+            <a:extLst>
+              <a:ext uri="{FF2B5EF4-FFF2-40B4-BE49-F238E27FC236}">
+                <a16:creationId xmlns:a16="http://schemas.microsoft.com/office/drawing/2014/main" id="{87E2D704-6CA7-FA6C-184A-29AD22314EE5}"/>
+              </a:ext>
+            </a:extLst>
+          </p:cNvPr>
+          <p:cNvSpPr txBox="1"/>
+          <p:nvPr/>
+        </p:nvSpPr>
+        <p:spPr>
+          <a:xfrm>
+            <a:off x="9627067" y="0"/>
+            <a:ext cx="2564933" cy="584775"/>
+          </a:xfrm>
+          <a:prstGeom prst="rect">
+            <a:avLst/>
+          </a:prstGeom>
+          <a:noFill/>
+        </p:spPr>
+        <p:txBody>
+          <a:bodyPr wrap="none" rtlCol="0">
+            <a:spAutoFit/>
+          </a:bodyPr>
+          <a:lstStyle/>
+          <a:p>
+            <a:pPr algn="r"/>
+            <a:r>
+              <a:rPr lang="ru-RU" sz="3200" dirty="0" smtClean="0"/>
+              <a:t>Определение</a:t>
+            </a:r>
+            <a:endParaRPr lang="ru-RU" sz="3200" dirty="0"/>
+          </a:p>
+        </p:txBody>
+      </p:sp>
+    </p:spTree>
+    <p:extLst>
+      <p:ext uri="{BB962C8B-B14F-4D97-AF65-F5344CB8AC3E}">
+        <p14:creationId xmlns:p14="http://schemas.microsoft.com/office/powerpoint/2010/main" val="3862918272"/>
+      </p:ext>
+    </p:extLst>
+  </p:cSld>
+  <p:clrMapOvr>
+    <a:masterClrMapping/>
+  </p:clrMapOvr>
+</p:sld>
+</file>
+
+<file path=ppt/slides/slide15.xml><?xml version="1.0" encoding="utf-8"?>
+<p:sld xmlns:a="http://schemas.openxmlformats.org/drawingml/2006/main" xmlns:r="http://schemas.openxmlformats.org/officeDocument/2006/relationships" xmlns:p="http://schemas.openxmlformats.org/presentationml/2006/main">
+  <p:cSld>
+    <p:spTree>
+      <p:nvGrpSpPr>
+        <p:cNvPr id="1" name=""/>
+        <p:cNvGrpSpPr/>
+        <p:nvPr/>
+      </p:nvGrpSpPr>
+      <p:grpSpPr>
+        <a:xfrm>
+          <a:off x="0" y="0"/>
+          <a:ext cx="0" cy="0"/>
+          <a:chOff x="0" y="0"/>
+          <a:chExt cx="0" cy="0"/>
+        </a:xfrm>
+      </p:grpSpPr>
+      <p:pic>
+        <p:nvPicPr>
+          <p:cNvPr id="4" name="Рисунок 3">
+            <a:extLst>
+              <a:ext uri="{FF2B5EF4-FFF2-40B4-BE49-F238E27FC236}">
+                <a16:creationId xmlns:a16="http://schemas.microsoft.com/office/drawing/2014/main" id="{A0AC5339-4522-B1BF-D425-ECFE3587238E}"/>
+              </a:ext>
+            </a:extLst>
+          </p:cNvPr>
+          <p:cNvPicPr>
+            <a:picLocks noChangeAspect="1"/>
+          </p:cNvPicPr>
+          <p:nvPr/>
+        </p:nvPicPr>
+        <p:blipFill>
+          <a:blip r:embed="rId2" cstate="print">
+            <a:extLst>
+              <a:ext uri="{28A0092B-C50C-407E-A947-70E740481C1C}">
+                <a14:useLocalDpi xmlns:a14="http://schemas.microsoft.com/office/drawing/2010/main" val="0"/>
+              </a:ext>
+            </a:extLst>
+          </a:blip>
+          <a:stretch>
+            <a:fillRect/>
+          </a:stretch>
+        </p:blipFill>
+        <p:spPr>
+          <a:xfrm>
+            <a:off x="-112542" y="-1"/>
+            <a:ext cx="2164542" cy="935523"/>
+          </a:xfrm>
+          <a:prstGeom prst="rect">
+            <a:avLst/>
+          </a:prstGeom>
+        </p:spPr>
+      </p:pic>
+      <p:sp>
+        <p:nvSpPr>
+          <p:cNvPr id="6" name="TextBox 5">
+            <a:extLst>
+              <a:ext uri="{FF2B5EF4-FFF2-40B4-BE49-F238E27FC236}">
+                <a16:creationId xmlns:a16="http://schemas.microsoft.com/office/drawing/2014/main" id="{87E2D704-6CA7-FA6C-184A-29AD22314EE5}"/>
+              </a:ext>
+            </a:extLst>
+          </p:cNvPr>
+          <p:cNvSpPr txBox="1"/>
+          <p:nvPr/>
+        </p:nvSpPr>
+        <p:spPr>
+          <a:xfrm>
+            <a:off x="9627067" y="0"/>
+            <a:ext cx="2564933" cy="584775"/>
+          </a:xfrm>
+          <a:prstGeom prst="rect">
+            <a:avLst/>
+          </a:prstGeom>
+          <a:noFill/>
+        </p:spPr>
+        <p:txBody>
+          <a:bodyPr wrap="none" rtlCol="0">
+            <a:spAutoFit/>
+          </a:bodyPr>
+          <a:lstStyle/>
+          <a:p>
+            <a:pPr algn="r"/>
+            <a:r>
+              <a:rPr lang="ru-RU" sz="3200" dirty="0" smtClean="0"/>
+              <a:t>Определение</a:t>
+            </a:r>
+            <a:endParaRPr lang="ru-RU" sz="3200" dirty="0"/>
+          </a:p>
+        </p:txBody>
+      </p:sp>
+    </p:spTree>
+    <p:extLst>
+      <p:ext uri="{BB962C8B-B14F-4D97-AF65-F5344CB8AC3E}">
+        <p14:creationId xmlns:p14="http://schemas.microsoft.com/office/powerpoint/2010/main" val="4209876001"/>
+      </p:ext>
+    </p:extLst>
+  </p:cSld>
+  <p:clrMapOvr>
+    <a:masterClrMapping/>
+  </p:clrMapOvr>
+</p:sld>
+</file>
+
 <file path=ppt/slides/slide2.xml><?xml version="1.0" encoding="utf-8"?>
 <p:sld xmlns:a="http://schemas.openxmlformats.org/drawingml/2006/main" xmlns:r="http://schemas.openxmlformats.org/officeDocument/2006/relationships" xmlns:p="http://schemas.openxmlformats.org/presentationml/2006/main">
   <p:cSld>
@@ -3158,8 +4873,8 @@
         </p:nvSpPr>
         <p:spPr>
           <a:xfrm>
-            <a:off x="7239682" y="0"/>
-            <a:ext cx="4952318" cy="584775"/>
+            <a:off x="9627067" y="0"/>
+            <a:ext cx="2564933" cy="584775"/>
           </a:xfrm>
           <a:prstGeom prst="rect">
             <a:avLst/>
@@ -3174,24 +4889,2589 @@
           <a:p>
             <a:pPr algn="r"/>
             <a:r>
-              <a:rPr lang="ru-RU" sz="3200" dirty="0"/>
-              <a:t>Структура </a:t>
-            </a:r>
-            <a:r>
-              <a:rPr lang="en-US" sz="3200" dirty="0"/>
-              <a:t>LaTeX-</a:t>
-            </a:r>
-            <a:r>
-              <a:rPr lang="ru-RU" sz="3200" dirty="0"/>
-              <a:t>документа</a:t>
-            </a:r>
-          </a:p>
-        </p:txBody>
-      </p:sp>
+              <a:rPr lang="ru-RU" sz="3200" dirty="0" smtClean="0"/>
+              <a:t>Определение</a:t>
+            </a:r>
+            <a:endParaRPr lang="ru-RU" sz="3200" dirty="0"/>
+          </a:p>
+        </p:txBody>
+      </p:sp>
+      <p:sp>
+        <p:nvSpPr>
+          <p:cNvPr id="5" name="TextBox 4"/>
+          <p:cNvSpPr txBox="1"/>
+          <p:nvPr/>
+        </p:nvSpPr>
+        <p:spPr>
+          <a:xfrm>
+            <a:off x="411480" y="1097280"/>
+            <a:ext cx="9811512" cy="1384995"/>
+          </a:xfrm>
+          <a:prstGeom prst="rect">
+            <a:avLst/>
+          </a:prstGeom>
+          <a:noFill/>
+        </p:spPr>
+        <p:txBody>
+          <a:bodyPr wrap="square" rtlCol="0">
+            <a:spAutoFit/>
+          </a:bodyPr>
+          <a:lstStyle/>
+          <a:p>
+            <a:r>
+              <a:rPr lang="ru-RU" sz="2800" dirty="0" smtClean="0"/>
+              <a:t>Облачные вычисления – </a:t>
+            </a:r>
+            <a:r>
+              <a:rPr lang="ru-RU" sz="2800" dirty="0"/>
+              <a:t>предоставление по требованию компьютерных ресурсов (в широком смысле слова) по сети Интернет на платной (измеримой основе).</a:t>
+            </a:r>
+          </a:p>
+        </p:txBody>
+      </p:sp>
+      <p:sp>
+        <p:nvSpPr>
+          <p:cNvPr id="7" name="TextBox 6"/>
+          <p:cNvSpPr txBox="1"/>
+          <p:nvPr/>
+        </p:nvSpPr>
+        <p:spPr>
+          <a:xfrm>
+            <a:off x="5961888" y="3086220"/>
+            <a:ext cx="5829300" cy="3046988"/>
+          </a:xfrm>
+          <a:prstGeom prst="rect">
+            <a:avLst/>
+          </a:prstGeom>
+          <a:noFill/>
+        </p:spPr>
+        <p:txBody>
+          <a:bodyPr wrap="square" rtlCol="0">
+            <a:spAutoFit/>
+          </a:bodyPr>
+          <a:lstStyle/>
+          <a:p>
+            <a:r>
+              <a:rPr lang="ru-RU" sz="2400" b="1" dirty="0"/>
+              <a:t>Ресурсы</a:t>
+            </a:r>
+            <a:r>
+              <a:rPr lang="ru-RU" sz="2400" dirty="0"/>
+              <a:t>:</a:t>
+            </a:r>
+          </a:p>
+          <a:p>
+            <a:pPr marL="285750" indent="-285750">
+              <a:buFont typeface="Arial" panose="020B0604020202020204" pitchFamily="34" charset="0"/>
+              <a:buChar char="•"/>
+            </a:pPr>
+            <a:r>
+              <a:rPr lang="ru-RU" sz="2400" dirty="0"/>
+              <a:t>вычислительная мощность (процессор)</a:t>
+            </a:r>
+          </a:p>
+          <a:p>
+            <a:pPr marL="285750" indent="-285750">
+              <a:buFont typeface="Arial" panose="020B0604020202020204" pitchFamily="34" charset="0"/>
+              <a:buChar char="•"/>
+            </a:pPr>
+            <a:r>
+              <a:rPr lang="ru-RU" sz="2400" dirty="0"/>
+              <a:t>память</a:t>
+            </a:r>
+          </a:p>
+          <a:p>
+            <a:pPr marL="285750" indent="-285750">
+              <a:buFont typeface="Arial" panose="020B0604020202020204" pitchFamily="34" charset="0"/>
+              <a:buChar char="•"/>
+            </a:pPr>
+            <a:r>
+              <a:rPr lang="ru-RU" sz="2400" dirty="0"/>
+              <a:t>дисковая память</a:t>
+            </a:r>
+          </a:p>
+          <a:p>
+            <a:pPr marL="285750" indent="-285750">
+              <a:buFont typeface="Arial" panose="020B0604020202020204" pitchFamily="34" charset="0"/>
+              <a:buChar char="•"/>
+            </a:pPr>
+            <a:r>
+              <a:rPr lang="ru-RU" sz="2400" dirty="0"/>
+              <a:t>сеть</a:t>
+            </a:r>
+          </a:p>
+          <a:p>
+            <a:pPr marL="285750" indent="-285750">
+              <a:buFont typeface="Arial" panose="020B0604020202020204" pitchFamily="34" charset="0"/>
+              <a:buChar char="•"/>
+            </a:pPr>
+            <a:r>
+              <a:rPr lang="ru-RU" sz="2400" dirty="0"/>
+              <a:t>службы (SQL-сервер)</a:t>
+            </a:r>
+          </a:p>
+          <a:p>
+            <a:pPr marL="285750" indent="-285750">
+              <a:buFont typeface="Arial" panose="020B0604020202020204" pitchFamily="34" charset="0"/>
+              <a:buChar char="•"/>
+            </a:pPr>
+            <a:r>
+              <a:rPr lang="ru-RU" sz="2400" dirty="0"/>
+              <a:t>приложения (</a:t>
+            </a:r>
+            <a:r>
+              <a:rPr lang="ru-RU" sz="2400" dirty="0" smtClean="0"/>
+              <a:t>G</a:t>
+            </a:r>
+            <a:r>
+              <a:rPr lang="en-US" sz="2400" dirty="0" err="1" smtClean="0"/>
+              <a:t>oogle</a:t>
+            </a:r>
+            <a:r>
+              <a:rPr lang="en-US" sz="2400" dirty="0" smtClean="0"/>
+              <a:t> </a:t>
+            </a:r>
+            <a:r>
+              <a:rPr lang="ru-RU" sz="2400" dirty="0" err="1" smtClean="0"/>
+              <a:t>Apps</a:t>
+            </a:r>
+            <a:r>
+              <a:rPr lang="ru-RU" sz="2400" dirty="0"/>
+              <a:t>, MS </a:t>
+            </a:r>
+            <a:r>
+              <a:rPr lang="ru-RU" sz="2400" dirty="0" err="1"/>
+              <a:t>Teams</a:t>
+            </a:r>
+            <a:r>
+              <a:rPr lang="ru-RU" sz="2400" dirty="0"/>
+              <a:t>)</a:t>
+            </a:r>
+          </a:p>
+          <a:p>
+            <a:endParaRPr lang="ru-RU" sz="2400" dirty="0"/>
+          </a:p>
+        </p:txBody>
+      </p:sp>
+      <p:pic>
+        <p:nvPicPr>
+          <p:cNvPr id="11" name="Рисунок 10"/>
+          <p:cNvPicPr>
+            <a:picLocks noChangeAspect="1"/>
+          </p:cNvPicPr>
+          <p:nvPr/>
+        </p:nvPicPr>
+        <p:blipFill>
+          <a:blip r:embed="rId3"/>
+          <a:stretch>
+            <a:fillRect/>
+          </a:stretch>
+        </p:blipFill>
+        <p:spPr>
+          <a:xfrm>
+            <a:off x="109728" y="2779548"/>
+            <a:ext cx="5431536" cy="4007537"/>
+          </a:xfrm>
+          <a:prstGeom prst="rect">
+            <a:avLst/>
+          </a:prstGeom>
+        </p:spPr>
+      </p:pic>
     </p:spTree>
     <p:extLst>
       <p:ext uri="{BB962C8B-B14F-4D97-AF65-F5344CB8AC3E}">
         <p14:creationId xmlns:p14="http://schemas.microsoft.com/office/powerpoint/2010/main" val="1525554246"/>
+      </p:ext>
+    </p:extLst>
+  </p:cSld>
+  <p:clrMapOvr>
+    <a:masterClrMapping/>
+  </p:clrMapOvr>
+</p:sld>
+</file>
+
+<file path=ppt/slides/slide3.xml><?xml version="1.0" encoding="utf-8"?>
+<p:sld xmlns:a="http://schemas.openxmlformats.org/drawingml/2006/main" xmlns:r="http://schemas.openxmlformats.org/officeDocument/2006/relationships" xmlns:p="http://schemas.openxmlformats.org/presentationml/2006/main">
+  <p:cSld>
+    <p:spTree>
+      <p:nvGrpSpPr>
+        <p:cNvPr id="1" name=""/>
+        <p:cNvGrpSpPr/>
+        <p:nvPr/>
+      </p:nvGrpSpPr>
+      <p:grpSpPr>
+        <a:xfrm>
+          <a:off x="0" y="0"/>
+          <a:ext cx="0" cy="0"/>
+          <a:chOff x="0" y="0"/>
+          <a:chExt cx="0" cy="0"/>
+        </a:xfrm>
+      </p:grpSpPr>
+      <p:pic>
+        <p:nvPicPr>
+          <p:cNvPr id="4" name="Рисунок 3">
+            <a:extLst>
+              <a:ext uri="{FF2B5EF4-FFF2-40B4-BE49-F238E27FC236}">
+                <a16:creationId xmlns:a16="http://schemas.microsoft.com/office/drawing/2014/main" id="{A0AC5339-4522-B1BF-D425-ECFE3587238E}"/>
+              </a:ext>
+            </a:extLst>
+          </p:cNvPr>
+          <p:cNvPicPr>
+            <a:picLocks noChangeAspect="1"/>
+          </p:cNvPicPr>
+          <p:nvPr/>
+        </p:nvPicPr>
+        <p:blipFill>
+          <a:blip r:embed="rId2" cstate="print">
+            <a:extLst>
+              <a:ext uri="{28A0092B-C50C-407E-A947-70E740481C1C}">
+                <a14:useLocalDpi xmlns:a14="http://schemas.microsoft.com/office/drawing/2010/main" val="0"/>
+              </a:ext>
+            </a:extLst>
+          </a:blip>
+          <a:stretch>
+            <a:fillRect/>
+          </a:stretch>
+        </p:blipFill>
+        <p:spPr>
+          <a:xfrm>
+            <a:off x="-112542" y="-1"/>
+            <a:ext cx="2164542" cy="935523"/>
+          </a:xfrm>
+          <a:prstGeom prst="rect">
+            <a:avLst/>
+          </a:prstGeom>
+        </p:spPr>
+      </p:pic>
+      <p:sp>
+        <p:nvSpPr>
+          <p:cNvPr id="6" name="TextBox 5">
+            <a:extLst>
+              <a:ext uri="{FF2B5EF4-FFF2-40B4-BE49-F238E27FC236}">
+                <a16:creationId xmlns:a16="http://schemas.microsoft.com/office/drawing/2014/main" id="{87E2D704-6CA7-FA6C-184A-29AD22314EE5}"/>
+              </a:ext>
+            </a:extLst>
+          </p:cNvPr>
+          <p:cNvSpPr txBox="1"/>
+          <p:nvPr/>
+        </p:nvSpPr>
+        <p:spPr>
+          <a:xfrm>
+            <a:off x="10569248" y="0"/>
+            <a:ext cx="1622752" cy="584775"/>
+          </a:xfrm>
+          <a:prstGeom prst="rect">
+            <a:avLst/>
+          </a:prstGeom>
+          <a:noFill/>
+        </p:spPr>
+        <p:txBody>
+          <a:bodyPr wrap="none" rtlCol="0">
+            <a:spAutoFit/>
+          </a:bodyPr>
+          <a:lstStyle/>
+          <a:p>
+            <a:pPr algn="r"/>
+            <a:r>
+              <a:rPr lang="ru-RU" sz="3200" dirty="0" smtClean="0"/>
+              <a:t>История</a:t>
+            </a:r>
+            <a:endParaRPr lang="ru-RU" sz="3200" dirty="0"/>
+          </a:p>
+        </p:txBody>
+      </p:sp>
+      <p:sp>
+        <p:nvSpPr>
+          <p:cNvPr id="2" name="Прямоугольник 1"/>
+          <p:cNvSpPr/>
+          <p:nvPr/>
+        </p:nvSpPr>
+        <p:spPr>
+          <a:xfrm>
+            <a:off x="360360" y="1376537"/>
+            <a:ext cx="8976360" cy="5113644"/>
+          </a:xfrm>
+          <a:prstGeom prst="rect">
+            <a:avLst/>
+          </a:prstGeom>
+        </p:spPr>
+        <p:txBody>
+          <a:bodyPr wrap="square">
+            <a:spAutoFit/>
+          </a:bodyPr>
+          <a:lstStyle/>
+          <a:p>
+            <a:pPr>
+              <a:lnSpc>
+                <a:spcPct val="150000"/>
+              </a:lnSpc>
+            </a:pPr>
+            <a:r>
+              <a:rPr lang="en-US" sz="2000" b="0" i="0" dirty="0" smtClean="0">
+                <a:solidFill>
+                  <a:srgbClr val="212121"/>
+                </a:solidFill>
+                <a:effectLst/>
+                <a:latin typeface="Roboto"/>
+              </a:rPr>
+              <a:t>1950 - Mainframe Time sharing</a:t>
+            </a:r>
+          </a:p>
+          <a:p>
+            <a:pPr>
+              <a:lnSpc>
+                <a:spcPct val="150000"/>
+              </a:lnSpc>
+            </a:pPr>
+            <a:r>
+              <a:rPr lang="en-US" sz="2000" b="0" i="0" dirty="0" smtClean="0">
+                <a:solidFill>
+                  <a:srgbClr val="212121"/>
+                </a:solidFill>
+                <a:effectLst/>
+                <a:latin typeface="Roboto"/>
+              </a:rPr>
+              <a:t>1970 - Virtual machines</a:t>
+            </a:r>
+          </a:p>
+          <a:p>
+            <a:pPr>
+              <a:lnSpc>
+                <a:spcPct val="150000"/>
+              </a:lnSpc>
+            </a:pPr>
+            <a:r>
+              <a:rPr lang="en-US" sz="2000" b="0" i="0" dirty="0" smtClean="0">
+                <a:solidFill>
+                  <a:srgbClr val="212121"/>
+                </a:solidFill>
+                <a:effectLst/>
+                <a:latin typeface="Roboto"/>
+              </a:rPr>
+              <a:t>1977 - </a:t>
+            </a:r>
+            <a:r>
+              <a:rPr lang="ru-RU" sz="2000" b="0" i="0" dirty="0" smtClean="0">
+                <a:solidFill>
+                  <a:srgbClr val="212121"/>
+                </a:solidFill>
+                <a:effectLst/>
+                <a:latin typeface="Roboto"/>
+              </a:rPr>
+              <a:t>Пиктограмма Облако</a:t>
+            </a:r>
+          </a:p>
+          <a:p>
+            <a:pPr>
+              <a:lnSpc>
+                <a:spcPct val="150000"/>
+              </a:lnSpc>
+            </a:pPr>
+            <a:r>
+              <a:rPr lang="ru-RU" sz="2000" b="0" i="0" dirty="0" smtClean="0">
+                <a:solidFill>
+                  <a:srgbClr val="212121"/>
+                </a:solidFill>
+                <a:effectLst/>
+                <a:latin typeface="Roboto"/>
+              </a:rPr>
+              <a:t>1980 - Локальные сети. Конвергенция </a:t>
+            </a:r>
+            <a:r>
+              <a:rPr lang="en-US" sz="2000" b="0" i="0" dirty="0" smtClean="0">
+                <a:solidFill>
+                  <a:srgbClr val="212121"/>
+                </a:solidFill>
+                <a:effectLst/>
+                <a:latin typeface="Roboto"/>
+              </a:rPr>
+              <a:t>LAN+WAN</a:t>
+            </a:r>
+          </a:p>
+          <a:p>
+            <a:pPr>
+              <a:lnSpc>
+                <a:spcPct val="150000"/>
+              </a:lnSpc>
+            </a:pPr>
+            <a:r>
+              <a:rPr lang="en-US" sz="2000" b="0" i="0" dirty="0" smtClean="0">
+                <a:solidFill>
+                  <a:srgbClr val="212121"/>
+                </a:solidFill>
+                <a:effectLst/>
+                <a:latin typeface="Roboto"/>
+              </a:rPr>
+              <a:t>1991 - WWW </a:t>
+            </a:r>
+            <a:r>
+              <a:rPr lang="ru-RU" sz="2000" b="0" i="0" dirty="0" smtClean="0">
+                <a:solidFill>
+                  <a:srgbClr val="212121"/>
+                </a:solidFill>
+                <a:effectLst/>
+                <a:latin typeface="Roboto"/>
+              </a:rPr>
+              <a:t>Интернет</a:t>
+            </a:r>
+          </a:p>
+          <a:p>
+            <a:pPr>
+              <a:lnSpc>
+                <a:spcPct val="150000"/>
+              </a:lnSpc>
+            </a:pPr>
+            <a:r>
+              <a:rPr lang="ru-RU" sz="2000" b="0" i="0" dirty="0" smtClean="0">
+                <a:solidFill>
+                  <a:srgbClr val="212121"/>
+                </a:solidFill>
+                <a:effectLst/>
+                <a:latin typeface="Roboto"/>
+              </a:rPr>
+              <a:t>1996 - Термин Облако</a:t>
+            </a:r>
+          </a:p>
+          <a:p>
+            <a:pPr>
+              <a:lnSpc>
+                <a:spcPct val="150000"/>
+              </a:lnSpc>
+            </a:pPr>
+            <a:r>
+              <a:rPr lang="ru-RU" sz="2000" b="0" i="0" dirty="0" smtClean="0">
+                <a:solidFill>
+                  <a:srgbClr val="212121"/>
+                </a:solidFill>
+                <a:effectLst/>
+                <a:latin typeface="Roboto"/>
+              </a:rPr>
+              <a:t>2000 - </a:t>
+            </a:r>
+            <a:r>
+              <a:rPr lang="en-US" sz="2000" b="0" i="0" dirty="0" smtClean="0">
+                <a:solidFill>
+                  <a:srgbClr val="212121"/>
+                </a:solidFill>
+                <a:effectLst/>
+                <a:latin typeface="Roboto"/>
+              </a:rPr>
+              <a:t>VMWare - </a:t>
+            </a:r>
+            <a:r>
+              <a:rPr lang="ru-RU" sz="2000" b="0" i="0" dirty="0" smtClean="0">
+                <a:solidFill>
+                  <a:srgbClr val="212121"/>
+                </a:solidFill>
+                <a:effectLst/>
+                <a:latin typeface="Roboto"/>
+              </a:rPr>
+              <a:t>Пионеры виртуализации. ВМ. Снимок ВМ. Миграция</a:t>
+            </a:r>
+          </a:p>
+          <a:p>
+            <a:pPr>
+              <a:lnSpc>
+                <a:spcPct val="150000"/>
+              </a:lnSpc>
+            </a:pPr>
+            <a:r>
+              <a:rPr lang="ru-RU" sz="2000" b="0" i="0" dirty="0" smtClean="0">
+                <a:solidFill>
+                  <a:srgbClr val="212121"/>
+                </a:solidFill>
+                <a:effectLst/>
+                <a:latin typeface="Roboto"/>
+              </a:rPr>
+              <a:t>2006 - </a:t>
+            </a:r>
+            <a:r>
+              <a:rPr lang="en-US" sz="2000" b="1" i="0" dirty="0" smtClean="0">
+                <a:solidFill>
+                  <a:srgbClr val="212121"/>
+                </a:solidFill>
+                <a:effectLst/>
+                <a:latin typeface="Roboto"/>
+              </a:rPr>
+              <a:t>AWS</a:t>
+            </a:r>
+            <a:r>
+              <a:rPr lang="en-US" sz="2000" b="0" i="0" dirty="0" smtClean="0">
+                <a:solidFill>
+                  <a:srgbClr val="212121"/>
+                </a:solidFill>
+                <a:effectLst/>
+                <a:latin typeface="Roboto"/>
+              </a:rPr>
+              <a:t> Amazon Web Services</a:t>
+            </a:r>
+          </a:p>
+          <a:p>
+            <a:pPr>
+              <a:lnSpc>
+                <a:spcPct val="150000"/>
+              </a:lnSpc>
+            </a:pPr>
+            <a:r>
+              <a:rPr lang="en-US" sz="2000" b="0" i="0" dirty="0" smtClean="0">
+                <a:solidFill>
+                  <a:srgbClr val="212121"/>
+                </a:solidFill>
+                <a:effectLst/>
+                <a:latin typeface="Roboto"/>
+              </a:rPr>
+              <a:t>2008 - Google</a:t>
+            </a:r>
+          </a:p>
+          <a:p>
+            <a:pPr>
+              <a:lnSpc>
+                <a:spcPct val="150000"/>
+              </a:lnSpc>
+            </a:pPr>
+            <a:r>
+              <a:rPr lang="en-US" sz="2000" b="0" i="0" dirty="0" smtClean="0">
+                <a:solidFill>
+                  <a:srgbClr val="212121"/>
+                </a:solidFill>
+                <a:effectLst/>
+                <a:latin typeface="Roboto"/>
+              </a:rPr>
+              <a:t>2010 - Microsoft Azure</a:t>
+            </a:r>
+          </a:p>
+          <a:p>
+            <a:pPr>
+              <a:lnSpc>
+                <a:spcPct val="150000"/>
+              </a:lnSpc>
+            </a:pPr>
+            <a:r>
+              <a:rPr lang="en-US" sz="2000" b="0" i="0" dirty="0" smtClean="0">
+                <a:solidFill>
+                  <a:srgbClr val="212121"/>
+                </a:solidFill>
+                <a:effectLst/>
+                <a:latin typeface="Roboto"/>
+              </a:rPr>
+              <a:t>2018 - </a:t>
+            </a:r>
+            <a:r>
+              <a:rPr lang="en-US" sz="2000" b="0" i="0" dirty="0" err="1" smtClean="0">
+                <a:solidFill>
+                  <a:srgbClr val="212121"/>
+                </a:solidFill>
+                <a:effectLst/>
+                <a:latin typeface="Roboto"/>
+              </a:rPr>
+              <a:t>Yandex</a:t>
+            </a:r>
+            <a:r>
+              <a:rPr lang="en-US" sz="2000" b="0" i="0" dirty="0" smtClean="0">
+                <a:solidFill>
+                  <a:srgbClr val="212121"/>
+                </a:solidFill>
+                <a:effectLst/>
+                <a:latin typeface="Roboto"/>
+              </a:rPr>
+              <a:t> Cloud</a:t>
+            </a:r>
+            <a:endParaRPr lang="en-US" sz="2000" b="0" i="0" dirty="0">
+              <a:solidFill>
+                <a:srgbClr val="212121"/>
+              </a:solidFill>
+              <a:effectLst/>
+              <a:latin typeface="Roboto"/>
+            </a:endParaRPr>
+          </a:p>
+        </p:txBody>
+      </p:sp>
+    </p:spTree>
+    <p:extLst>
+      <p:ext uri="{BB962C8B-B14F-4D97-AF65-F5344CB8AC3E}">
+        <p14:creationId xmlns:p14="http://schemas.microsoft.com/office/powerpoint/2010/main" val="456978277"/>
+      </p:ext>
+    </p:extLst>
+  </p:cSld>
+  <p:clrMapOvr>
+    <a:masterClrMapping/>
+  </p:clrMapOvr>
+</p:sld>
+</file>
+
+<file path=ppt/slides/slide4.xml><?xml version="1.0" encoding="utf-8"?>
+<p:sld xmlns:a="http://schemas.openxmlformats.org/drawingml/2006/main" xmlns:r="http://schemas.openxmlformats.org/officeDocument/2006/relationships" xmlns:p="http://schemas.openxmlformats.org/presentationml/2006/main">
+  <p:cSld>
+    <p:spTree>
+      <p:nvGrpSpPr>
+        <p:cNvPr id="1" name=""/>
+        <p:cNvGrpSpPr/>
+        <p:nvPr/>
+      </p:nvGrpSpPr>
+      <p:grpSpPr>
+        <a:xfrm>
+          <a:off x="0" y="0"/>
+          <a:ext cx="0" cy="0"/>
+          <a:chOff x="0" y="0"/>
+          <a:chExt cx="0" cy="0"/>
+        </a:xfrm>
+      </p:grpSpPr>
+      <p:pic>
+        <p:nvPicPr>
+          <p:cNvPr id="6148" name="Picture 4" descr="https://cdn.ttgtmedia.com/rms/onlineimages/cloud_computing_timeline-f.png"/>
+          <p:cNvPicPr>
+            <a:picLocks noChangeAspect="1" noChangeArrowheads="1"/>
+          </p:cNvPicPr>
+          <p:nvPr/>
+        </p:nvPicPr>
+        <p:blipFill>
+          <a:blip r:embed="rId2">
+            <a:extLst>
+              <a:ext uri="{28A0092B-C50C-407E-A947-70E740481C1C}">
+                <a14:useLocalDpi xmlns:a14="http://schemas.microsoft.com/office/drawing/2010/main" val="0"/>
+              </a:ext>
+            </a:extLst>
+          </a:blip>
+          <a:srcRect/>
+          <a:stretch>
+            <a:fillRect/>
+          </a:stretch>
+        </p:blipFill>
+        <p:spPr bwMode="auto">
+          <a:xfrm>
+            <a:off x="0" y="-1"/>
+            <a:ext cx="12192000" cy="6858000"/>
+          </a:xfrm>
+          <a:prstGeom prst="rect">
+            <a:avLst/>
+          </a:prstGeom>
+          <a:noFill/>
+          <a:extLst>
+            <a:ext uri="{909E8E84-426E-40DD-AFC4-6F175D3DCCD1}">
+              <a14:hiddenFill xmlns:a14="http://schemas.microsoft.com/office/drawing/2010/main">
+                <a:solidFill>
+                  <a:srgbClr val="FFFFFF"/>
+                </a:solidFill>
+              </a14:hiddenFill>
+            </a:ext>
+          </a:extLst>
+        </p:spPr>
+      </p:pic>
+      <p:pic>
+        <p:nvPicPr>
+          <p:cNvPr id="4" name="Рисунок 3">
+            <a:extLst>
+              <a:ext uri="{FF2B5EF4-FFF2-40B4-BE49-F238E27FC236}">
+                <a16:creationId xmlns:a16="http://schemas.microsoft.com/office/drawing/2014/main" id="{A0AC5339-4522-B1BF-D425-ECFE3587238E}"/>
+              </a:ext>
+            </a:extLst>
+          </p:cNvPr>
+          <p:cNvPicPr>
+            <a:picLocks noChangeAspect="1"/>
+          </p:cNvPicPr>
+          <p:nvPr/>
+        </p:nvPicPr>
+        <p:blipFill>
+          <a:blip r:embed="rId3" cstate="print">
+            <a:extLst>
+              <a:ext uri="{28A0092B-C50C-407E-A947-70E740481C1C}">
+                <a14:useLocalDpi xmlns:a14="http://schemas.microsoft.com/office/drawing/2010/main" val="0"/>
+              </a:ext>
+            </a:extLst>
+          </a:blip>
+          <a:stretch>
+            <a:fillRect/>
+          </a:stretch>
+        </p:blipFill>
+        <p:spPr>
+          <a:xfrm>
+            <a:off x="-112542" y="-1"/>
+            <a:ext cx="2164542" cy="935523"/>
+          </a:xfrm>
+          <a:prstGeom prst="rect">
+            <a:avLst/>
+          </a:prstGeom>
+        </p:spPr>
+      </p:pic>
+    </p:spTree>
+    <p:extLst>
+      <p:ext uri="{BB962C8B-B14F-4D97-AF65-F5344CB8AC3E}">
+        <p14:creationId xmlns:p14="http://schemas.microsoft.com/office/powerpoint/2010/main" val="125532493"/>
+      </p:ext>
+    </p:extLst>
+  </p:cSld>
+  <p:clrMapOvr>
+    <a:masterClrMapping/>
+  </p:clrMapOvr>
+</p:sld>
+</file>
+
+<file path=ppt/slides/slide5.xml><?xml version="1.0" encoding="utf-8"?>
+<p:sld xmlns:a="http://schemas.openxmlformats.org/drawingml/2006/main" xmlns:r="http://schemas.openxmlformats.org/officeDocument/2006/relationships" xmlns:p="http://schemas.openxmlformats.org/presentationml/2006/main">
+  <p:cSld>
+    <p:spTree>
+      <p:nvGrpSpPr>
+        <p:cNvPr id="1" name=""/>
+        <p:cNvGrpSpPr/>
+        <p:nvPr/>
+      </p:nvGrpSpPr>
+      <p:grpSpPr>
+        <a:xfrm>
+          <a:off x="0" y="0"/>
+          <a:ext cx="0" cy="0"/>
+          <a:chOff x="0" y="0"/>
+          <a:chExt cx="0" cy="0"/>
+        </a:xfrm>
+      </p:grpSpPr>
+      <p:pic>
+        <p:nvPicPr>
+          <p:cNvPr id="4" name="Рисунок 3">
+            <a:extLst>
+              <a:ext uri="{FF2B5EF4-FFF2-40B4-BE49-F238E27FC236}">
+                <a16:creationId xmlns:a16="http://schemas.microsoft.com/office/drawing/2014/main" id="{A0AC5339-4522-B1BF-D425-ECFE3587238E}"/>
+              </a:ext>
+            </a:extLst>
+          </p:cNvPr>
+          <p:cNvPicPr>
+            <a:picLocks noChangeAspect="1"/>
+          </p:cNvPicPr>
+          <p:nvPr/>
+        </p:nvPicPr>
+        <p:blipFill>
+          <a:blip r:embed="rId3" cstate="print">
+            <a:extLst>
+              <a:ext uri="{28A0092B-C50C-407E-A947-70E740481C1C}">
+                <a14:useLocalDpi xmlns:a14="http://schemas.microsoft.com/office/drawing/2010/main" val="0"/>
+              </a:ext>
+            </a:extLst>
+          </a:blip>
+          <a:stretch>
+            <a:fillRect/>
+          </a:stretch>
+        </p:blipFill>
+        <p:spPr>
+          <a:xfrm>
+            <a:off x="-112542" y="-1"/>
+            <a:ext cx="2164542" cy="935523"/>
+          </a:xfrm>
+          <a:prstGeom prst="rect">
+            <a:avLst/>
+          </a:prstGeom>
+        </p:spPr>
+      </p:pic>
+      <p:sp>
+        <p:nvSpPr>
+          <p:cNvPr id="6" name="TextBox 5">
+            <a:extLst>
+              <a:ext uri="{FF2B5EF4-FFF2-40B4-BE49-F238E27FC236}">
+                <a16:creationId xmlns:a16="http://schemas.microsoft.com/office/drawing/2014/main" id="{87E2D704-6CA7-FA6C-184A-29AD22314EE5}"/>
+              </a:ext>
+            </a:extLst>
+          </p:cNvPr>
+          <p:cNvSpPr txBox="1"/>
+          <p:nvPr/>
+        </p:nvSpPr>
+        <p:spPr>
+          <a:xfrm>
+            <a:off x="6409263" y="0"/>
+            <a:ext cx="5782737" cy="584775"/>
+          </a:xfrm>
+          <a:prstGeom prst="rect">
+            <a:avLst/>
+          </a:prstGeom>
+          <a:noFill/>
+        </p:spPr>
+        <p:txBody>
+          <a:bodyPr wrap="none" rtlCol="0">
+            <a:spAutoFit/>
+          </a:bodyPr>
+          <a:lstStyle/>
+          <a:p>
+            <a:pPr algn="r"/>
+            <a:r>
+              <a:rPr lang="ru-RU" sz="3200" dirty="0" smtClean="0"/>
+              <a:t>Свойства </a:t>
+            </a:r>
+            <a:r>
+              <a:rPr lang="ru-RU" sz="3200" dirty="0" smtClean="0"/>
+              <a:t>облачных вычислений</a:t>
+            </a:r>
+            <a:endParaRPr lang="ru-RU" sz="3200" dirty="0"/>
+          </a:p>
+        </p:txBody>
+      </p:sp>
+      <p:pic>
+        <p:nvPicPr>
+          <p:cNvPr id="7174" name="Picture 6" descr="Features and Characteristics of Cloud computing"/>
+          <p:cNvPicPr>
+            <a:picLocks noChangeAspect="1" noChangeArrowheads="1"/>
+          </p:cNvPicPr>
+          <p:nvPr/>
+        </p:nvPicPr>
+        <p:blipFill>
+          <a:blip r:embed="rId4">
+            <a:extLst>
+              <a:ext uri="{28A0092B-C50C-407E-A947-70E740481C1C}">
+                <a14:useLocalDpi xmlns:a14="http://schemas.microsoft.com/office/drawing/2010/main" val="0"/>
+              </a:ext>
+            </a:extLst>
+          </a:blip>
+          <a:srcRect/>
+          <a:stretch>
+            <a:fillRect/>
+          </a:stretch>
+        </p:blipFill>
+        <p:spPr bwMode="auto">
+          <a:xfrm>
+            <a:off x="1252727" y="1124712"/>
+            <a:ext cx="10955325" cy="5733288"/>
+          </a:xfrm>
+          <a:prstGeom prst="rect">
+            <a:avLst/>
+          </a:prstGeom>
+          <a:noFill/>
+          <a:extLst>
+            <a:ext uri="{909E8E84-426E-40DD-AFC4-6F175D3DCCD1}">
+              <a14:hiddenFill xmlns:a14="http://schemas.microsoft.com/office/drawing/2010/main">
+                <a:solidFill>
+                  <a:srgbClr val="FFFFFF"/>
+                </a:solidFill>
+              </a14:hiddenFill>
+            </a:ext>
+          </a:extLst>
+        </p:spPr>
+      </p:pic>
+    </p:spTree>
+    <p:extLst>
+      <p:ext uri="{BB962C8B-B14F-4D97-AF65-F5344CB8AC3E}">
+        <p14:creationId xmlns:p14="http://schemas.microsoft.com/office/powerpoint/2010/main" val="3335739688"/>
+      </p:ext>
+    </p:extLst>
+  </p:cSld>
+  <p:clrMapOvr>
+    <a:masterClrMapping/>
+  </p:clrMapOvr>
+</p:sld>
+</file>
+
+<file path=ppt/slides/slide6.xml><?xml version="1.0" encoding="utf-8"?>
+<p:sld xmlns:a="http://schemas.openxmlformats.org/drawingml/2006/main" xmlns:r="http://schemas.openxmlformats.org/officeDocument/2006/relationships" xmlns:p="http://schemas.openxmlformats.org/presentationml/2006/main">
+  <p:cSld>
+    <p:spTree>
+      <p:nvGrpSpPr>
+        <p:cNvPr id="1" name=""/>
+        <p:cNvGrpSpPr/>
+        <p:nvPr/>
+      </p:nvGrpSpPr>
+      <p:grpSpPr>
+        <a:xfrm>
+          <a:off x="0" y="0"/>
+          <a:ext cx="0" cy="0"/>
+          <a:chOff x="0" y="0"/>
+          <a:chExt cx="0" cy="0"/>
+        </a:xfrm>
+      </p:grpSpPr>
+      <p:pic>
+        <p:nvPicPr>
+          <p:cNvPr id="4" name="Рисунок 3">
+            <a:extLst>
+              <a:ext uri="{FF2B5EF4-FFF2-40B4-BE49-F238E27FC236}">
+                <a16:creationId xmlns:a16="http://schemas.microsoft.com/office/drawing/2014/main" id="{A0AC5339-4522-B1BF-D425-ECFE3587238E}"/>
+              </a:ext>
+            </a:extLst>
+          </p:cNvPr>
+          <p:cNvPicPr>
+            <a:picLocks noChangeAspect="1"/>
+          </p:cNvPicPr>
+          <p:nvPr/>
+        </p:nvPicPr>
+        <p:blipFill>
+          <a:blip r:embed="rId2" cstate="print">
+            <a:extLst>
+              <a:ext uri="{28A0092B-C50C-407E-A947-70E740481C1C}">
+                <a14:useLocalDpi xmlns:a14="http://schemas.microsoft.com/office/drawing/2010/main" val="0"/>
+              </a:ext>
+            </a:extLst>
+          </a:blip>
+          <a:stretch>
+            <a:fillRect/>
+          </a:stretch>
+        </p:blipFill>
+        <p:spPr>
+          <a:xfrm>
+            <a:off x="-112542" y="-1"/>
+            <a:ext cx="2164542" cy="935523"/>
+          </a:xfrm>
+          <a:prstGeom prst="rect">
+            <a:avLst/>
+          </a:prstGeom>
+        </p:spPr>
+      </p:pic>
+      <p:sp>
+        <p:nvSpPr>
+          <p:cNvPr id="5" name="TextBox 4"/>
+          <p:cNvSpPr txBox="1"/>
+          <p:nvPr/>
+        </p:nvSpPr>
+        <p:spPr>
+          <a:xfrm>
+            <a:off x="2825496" y="137160"/>
+            <a:ext cx="7205472" cy="6632585"/>
+          </a:xfrm>
+          <a:prstGeom prst="rect">
+            <a:avLst/>
+          </a:prstGeom>
+          <a:noFill/>
+        </p:spPr>
+        <p:txBody>
+          <a:bodyPr wrap="square" rtlCol="0">
+            <a:spAutoFit/>
+          </a:bodyPr>
+          <a:lstStyle/>
+          <a:p>
+            <a:pPr lvl="1"/>
+            <a:r>
+              <a:rPr lang="ru-RU" sz="1700" dirty="0" err="1" smtClean="0"/>
+              <a:t>On</a:t>
+            </a:r>
+            <a:r>
+              <a:rPr lang="ru-RU" sz="1700" dirty="0" smtClean="0"/>
+              <a:t> </a:t>
+            </a:r>
+            <a:r>
+              <a:rPr lang="ru-RU" sz="1700" dirty="0" err="1"/>
+              <a:t>demand</a:t>
+            </a:r>
+            <a:r>
+              <a:rPr lang="ru-RU" sz="1700" dirty="0"/>
+              <a:t> </a:t>
+            </a:r>
+            <a:r>
+              <a:rPr lang="ru-RU" sz="1700" dirty="0" err="1"/>
+              <a:t>service</a:t>
+            </a:r>
+            <a:r>
+              <a:rPr lang="ru-RU" sz="1700" dirty="0"/>
+              <a:t> </a:t>
+            </a:r>
+            <a:r>
+              <a:rPr lang="ru-RU" sz="1700" b="1" dirty="0"/>
+              <a:t>обслуживание по запросу</a:t>
+            </a:r>
+          </a:p>
+          <a:p>
+            <a:pPr lvl="2"/>
+            <a:r>
+              <a:rPr lang="ru-RU" sz="1700" dirty="0"/>
+              <a:t>За короткое время</a:t>
+            </a:r>
+          </a:p>
+          <a:p>
+            <a:pPr lvl="2"/>
+            <a:r>
+              <a:rPr lang="ru-RU" sz="1700" dirty="0"/>
+              <a:t>Без взаимодействия с людьми</a:t>
+            </a:r>
+          </a:p>
+          <a:p>
+            <a:pPr lvl="2"/>
+            <a:r>
+              <a:rPr lang="ru-RU" sz="1700" dirty="0"/>
+              <a:t>В простейшем интерфейсе</a:t>
+            </a:r>
+          </a:p>
+          <a:p>
+            <a:pPr lvl="2"/>
+            <a:r>
+              <a:rPr lang="ru-RU" sz="1700" dirty="0"/>
+              <a:t>Автоматизировано</a:t>
+            </a:r>
+          </a:p>
+          <a:p>
+            <a:pPr lvl="1"/>
+            <a:r>
+              <a:rPr lang="ru-RU" sz="1700" dirty="0" err="1"/>
+              <a:t>Broad</a:t>
+            </a:r>
+            <a:r>
+              <a:rPr lang="ru-RU" sz="1700" dirty="0"/>
+              <a:t> </a:t>
+            </a:r>
+            <a:r>
+              <a:rPr lang="ru-RU" sz="1700" dirty="0" err="1"/>
+              <a:t>Network</a:t>
+            </a:r>
+            <a:r>
+              <a:rPr lang="ru-RU" sz="1700" dirty="0"/>
+              <a:t> </a:t>
+            </a:r>
+            <a:r>
+              <a:rPr lang="ru-RU" sz="1700" dirty="0" err="1" smtClean="0"/>
+              <a:t>Access</a:t>
+            </a:r>
+            <a:r>
+              <a:rPr lang="ru-RU" sz="1700" dirty="0" smtClean="0"/>
+              <a:t> </a:t>
+            </a:r>
+            <a:r>
+              <a:rPr lang="ru-RU" sz="1700" b="1" dirty="0" smtClean="0"/>
+              <a:t>Доступ по сети</a:t>
+            </a:r>
+            <a:endParaRPr lang="ru-RU" sz="1700" b="1" dirty="0"/>
+          </a:p>
+          <a:p>
+            <a:pPr lvl="2"/>
+            <a:r>
+              <a:rPr lang="ru-RU" sz="1700" dirty="0"/>
+              <a:t>Сервер </a:t>
+            </a:r>
+            <a:r>
+              <a:rPr lang="ru-RU" sz="1700" dirty="0" smtClean="0"/>
+              <a:t>где угодно</a:t>
+            </a:r>
+            <a:endParaRPr lang="ru-RU" sz="1700" dirty="0"/>
+          </a:p>
+          <a:p>
+            <a:pPr lvl="2"/>
+            <a:r>
+              <a:rPr lang="ru-RU" sz="1700" dirty="0"/>
+              <a:t>Автоматическая миграция</a:t>
+            </a:r>
+          </a:p>
+          <a:p>
+            <a:pPr lvl="2"/>
+            <a:r>
+              <a:rPr lang="ru-RU" sz="1700" dirty="0"/>
+              <a:t>Обращение откуда угодно</a:t>
+            </a:r>
+          </a:p>
+          <a:p>
+            <a:pPr lvl="2"/>
+            <a:r>
+              <a:rPr lang="ru-RU" sz="1700" dirty="0" smtClean="0"/>
+              <a:t>Безопасность / Надёжность ?!!</a:t>
+            </a:r>
+            <a:endParaRPr lang="ru-RU" sz="1700" dirty="0"/>
+          </a:p>
+          <a:p>
+            <a:pPr lvl="2"/>
+            <a:r>
+              <a:rPr lang="ru-RU" sz="1700" dirty="0"/>
+              <a:t>С любого оборудования</a:t>
+            </a:r>
+          </a:p>
+          <a:p>
+            <a:pPr lvl="1"/>
+            <a:r>
+              <a:rPr lang="ru-RU" sz="1700" dirty="0" err="1"/>
+              <a:t>Resource</a:t>
+            </a:r>
+            <a:r>
+              <a:rPr lang="ru-RU" sz="1700" dirty="0"/>
+              <a:t> </a:t>
+            </a:r>
+            <a:r>
+              <a:rPr lang="ru-RU" sz="1700" dirty="0" err="1"/>
+              <a:t>pooling</a:t>
+            </a:r>
+            <a:r>
+              <a:rPr lang="ru-RU" sz="1700" dirty="0"/>
+              <a:t> </a:t>
+            </a:r>
+            <a:r>
+              <a:rPr lang="ru-RU" sz="1700" b="1" dirty="0"/>
+              <a:t>Объединение ресурсов в (большие) пулы</a:t>
+            </a:r>
+          </a:p>
+          <a:p>
+            <a:pPr lvl="2"/>
+            <a:r>
+              <a:rPr lang="ru-RU" sz="1700" dirty="0"/>
+              <a:t>Экономия $</a:t>
+            </a:r>
+          </a:p>
+          <a:p>
+            <a:pPr lvl="2"/>
+            <a:r>
+              <a:rPr lang="ru-RU" sz="1700" dirty="0"/>
+              <a:t>Экономия на масштабе</a:t>
+            </a:r>
+          </a:p>
+          <a:p>
+            <a:pPr lvl="2"/>
+            <a:r>
+              <a:rPr lang="ru-RU" sz="1700" dirty="0" smtClean="0"/>
+              <a:t>«Первая </a:t>
+            </a:r>
+            <a:r>
+              <a:rPr lang="ru-RU" sz="1700" dirty="0"/>
+              <a:t>доза </a:t>
+            </a:r>
+            <a:r>
+              <a:rPr lang="ru-RU" sz="1700" dirty="0" smtClean="0"/>
+              <a:t>бесплатно»</a:t>
+            </a:r>
+            <a:endParaRPr lang="ru-RU" sz="1700" dirty="0"/>
+          </a:p>
+          <a:p>
+            <a:pPr lvl="1"/>
+            <a:r>
+              <a:rPr lang="ru-RU" sz="1700" dirty="0" err="1"/>
+              <a:t>Rapid</a:t>
+            </a:r>
+            <a:r>
+              <a:rPr lang="ru-RU" sz="1700" dirty="0"/>
+              <a:t> </a:t>
+            </a:r>
+            <a:r>
+              <a:rPr lang="ru-RU" sz="1700" dirty="0" err="1"/>
+              <a:t>Elasticity</a:t>
+            </a:r>
+            <a:r>
+              <a:rPr lang="ru-RU" sz="1700" dirty="0"/>
+              <a:t> </a:t>
+            </a:r>
+            <a:r>
+              <a:rPr lang="ru-RU" sz="1700" b="1" dirty="0"/>
+              <a:t>Эластичность</a:t>
+            </a:r>
+          </a:p>
+          <a:p>
+            <a:pPr lvl="2"/>
+            <a:r>
+              <a:rPr lang="ru-RU" sz="1700" dirty="0"/>
+              <a:t>Легко (1 минута) добавлять мощность</a:t>
+            </a:r>
+          </a:p>
+          <a:p>
+            <a:pPr lvl="2"/>
+            <a:r>
+              <a:rPr lang="ru-RU" sz="1700" dirty="0" smtClean="0"/>
+              <a:t>Автоматически или вручную</a:t>
+            </a:r>
+            <a:endParaRPr lang="ru-RU" sz="1700" dirty="0"/>
+          </a:p>
+          <a:p>
+            <a:pPr lvl="2"/>
+            <a:r>
+              <a:rPr lang="ru-RU" sz="1700" dirty="0"/>
+              <a:t>Легко убавляется мощность</a:t>
+            </a:r>
+          </a:p>
+          <a:p>
+            <a:pPr lvl="1"/>
+            <a:r>
+              <a:rPr lang="ru-RU" sz="1700" dirty="0" err="1"/>
+              <a:t>Measured</a:t>
+            </a:r>
+            <a:r>
+              <a:rPr lang="ru-RU" sz="1700" dirty="0"/>
+              <a:t> (</a:t>
+            </a:r>
+            <a:r>
+              <a:rPr lang="ru-RU" sz="1700" dirty="0" err="1"/>
+              <a:t>Payed</a:t>
+            </a:r>
+            <a:r>
+              <a:rPr lang="ru-RU" sz="1700" dirty="0"/>
+              <a:t>) </a:t>
+            </a:r>
+            <a:r>
+              <a:rPr lang="ru-RU" sz="1700" dirty="0" err="1" smtClean="0"/>
+              <a:t>Service</a:t>
+            </a:r>
+            <a:r>
+              <a:rPr lang="ru-RU" sz="1700" dirty="0" smtClean="0"/>
+              <a:t> </a:t>
+            </a:r>
+            <a:r>
+              <a:rPr lang="ru-RU" sz="1700" b="1" dirty="0" smtClean="0"/>
+              <a:t>Измеримость / Оплата</a:t>
+            </a:r>
+            <a:endParaRPr lang="ru-RU" sz="1700" b="1" dirty="0"/>
+          </a:p>
+          <a:p>
+            <a:pPr lvl="2"/>
+            <a:r>
+              <a:rPr lang="ru-RU" sz="1700" dirty="0"/>
+              <a:t>Всё измеряется (</a:t>
+            </a:r>
+            <a:r>
+              <a:rPr lang="ru-RU" sz="1700" dirty="0" err="1"/>
+              <a:t>посекундно</a:t>
+            </a:r>
+            <a:r>
+              <a:rPr lang="ru-RU" sz="1700" dirty="0"/>
+              <a:t>)</a:t>
+            </a:r>
+          </a:p>
+          <a:p>
+            <a:pPr lvl="2"/>
+            <a:r>
+              <a:rPr lang="ru-RU" sz="1700" dirty="0" err="1"/>
+              <a:t>CapEx</a:t>
+            </a:r>
+            <a:r>
+              <a:rPr lang="ru-RU" sz="1700" dirty="0"/>
+              <a:t> -&gt; </a:t>
+            </a:r>
+            <a:r>
+              <a:rPr lang="ru-RU" sz="1700" dirty="0" err="1"/>
+              <a:t>OpEx</a:t>
+            </a:r>
+            <a:endParaRPr lang="ru-RU" sz="1700" dirty="0"/>
+          </a:p>
+          <a:p>
+            <a:pPr lvl="2"/>
+            <a:r>
+              <a:rPr lang="ru-RU" sz="1700" dirty="0"/>
+              <a:t>Плата за реально использовано</a:t>
+            </a:r>
+          </a:p>
+          <a:p>
+            <a:pPr lvl="2"/>
+            <a:r>
+              <a:rPr lang="ru-RU" sz="1700" dirty="0"/>
+              <a:t>Всё </a:t>
+            </a:r>
+            <a:r>
+              <a:rPr lang="ru-RU" sz="1700" dirty="0" err="1"/>
+              <a:t>мониторится</a:t>
+            </a:r>
+            <a:endParaRPr lang="ru-RU" sz="1700" dirty="0"/>
+          </a:p>
+          <a:p>
+            <a:pPr lvl="2"/>
+            <a:r>
+              <a:rPr lang="ru-RU" sz="1700" dirty="0"/>
+              <a:t>Автоматическое </a:t>
+            </a:r>
+            <a:r>
+              <a:rPr lang="ru-RU" sz="1700" dirty="0" smtClean="0"/>
+              <a:t>восстановление</a:t>
+            </a:r>
+            <a:endParaRPr lang="ru-RU" sz="1700" dirty="0"/>
+          </a:p>
+        </p:txBody>
+      </p:sp>
+      <p:sp>
+        <p:nvSpPr>
+          <p:cNvPr id="7" name="TextBox 6">
+            <a:extLst>
+              <a:ext uri="{FF2B5EF4-FFF2-40B4-BE49-F238E27FC236}">
+                <a16:creationId xmlns:a16="http://schemas.microsoft.com/office/drawing/2014/main" id="{87E2D704-6CA7-FA6C-184A-29AD22314EE5}"/>
+              </a:ext>
+            </a:extLst>
+          </p:cNvPr>
+          <p:cNvSpPr txBox="1"/>
+          <p:nvPr/>
+        </p:nvSpPr>
+        <p:spPr>
+          <a:xfrm>
+            <a:off x="8594925" y="0"/>
+            <a:ext cx="3597075" cy="584775"/>
+          </a:xfrm>
+          <a:prstGeom prst="rect">
+            <a:avLst/>
+          </a:prstGeom>
+          <a:noFill/>
+        </p:spPr>
+        <p:txBody>
+          <a:bodyPr wrap="none" rtlCol="0">
+            <a:spAutoFit/>
+          </a:bodyPr>
+          <a:lstStyle/>
+          <a:p>
+            <a:pPr algn="r"/>
+            <a:r>
+              <a:rPr lang="ru-RU" sz="3200" dirty="0" smtClean="0"/>
+              <a:t>Пять характеристик</a:t>
+            </a:r>
+            <a:endParaRPr lang="ru-RU" sz="3200" dirty="0"/>
+          </a:p>
+        </p:txBody>
+      </p:sp>
+      <p:sp>
+        <p:nvSpPr>
+          <p:cNvPr id="2" name="TextBox 1"/>
+          <p:cNvSpPr txBox="1"/>
+          <p:nvPr/>
+        </p:nvSpPr>
+        <p:spPr>
+          <a:xfrm>
+            <a:off x="396936" y="5134534"/>
+            <a:ext cx="2130552" cy="1200329"/>
+          </a:xfrm>
+          <a:prstGeom prst="rect">
+            <a:avLst/>
+          </a:prstGeom>
+          <a:solidFill>
+            <a:srgbClr val="92D050"/>
+          </a:solidFill>
+          <a:ln>
+            <a:solidFill>
+              <a:schemeClr val="tx1"/>
+            </a:solidFill>
+          </a:ln>
+          <a:effectLst>
+            <a:outerShdw blurRad="50800" dist="38100" dir="2700000" algn="tl" rotWithShape="0">
+              <a:prstClr val="black">
+                <a:alpha val="40000"/>
+              </a:prstClr>
+            </a:outerShdw>
+          </a:effectLst>
+        </p:spPr>
+        <p:txBody>
+          <a:bodyPr wrap="square" rtlCol="0">
+            <a:spAutoFit/>
+          </a:bodyPr>
+          <a:lstStyle/>
+          <a:p>
+            <a:pPr algn="r"/>
+            <a:r>
+              <a:rPr lang="en-US" b="1" dirty="0" smtClean="0"/>
+              <a:t>NIST</a:t>
+            </a:r>
+            <a:r>
+              <a:rPr lang="en-US" dirty="0" smtClean="0"/>
+              <a:t>:</a:t>
+            </a:r>
+          </a:p>
+          <a:p>
+            <a:pPr algn="r"/>
+            <a:r>
+              <a:rPr lang="en-US" dirty="0" smtClean="0"/>
+              <a:t>US </a:t>
+            </a:r>
+            <a:r>
+              <a:rPr lang="en-US" dirty="0"/>
+              <a:t>National Institute of Standards and Technology)</a:t>
+            </a:r>
+            <a:endParaRPr lang="ru-RU" dirty="0"/>
+          </a:p>
+        </p:txBody>
+      </p:sp>
+      <p:pic>
+        <p:nvPicPr>
+          <p:cNvPr id="3074" name="Picture 2" descr="Characteristics of Cloud Computing - GeeksforGeeks"/>
+          <p:cNvPicPr>
+            <a:picLocks noChangeAspect="1" noChangeArrowheads="1"/>
+          </p:cNvPicPr>
+          <p:nvPr/>
+        </p:nvPicPr>
+        <p:blipFill>
+          <a:blip r:embed="rId3">
+            <a:extLst>
+              <a:ext uri="{28A0092B-C50C-407E-A947-70E740481C1C}">
+                <a14:useLocalDpi xmlns:a14="http://schemas.microsoft.com/office/drawing/2010/main" val="0"/>
+              </a:ext>
+            </a:extLst>
+          </a:blip>
+          <a:srcRect/>
+          <a:stretch>
+            <a:fillRect/>
+          </a:stretch>
+        </p:blipFill>
+        <p:spPr bwMode="auto">
+          <a:xfrm>
+            <a:off x="8071641" y="3453452"/>
+            <a:ext cx="4120359" cy="3362164"/>
+          </a:xfrm>
+          <a:prstGeom prst="rect">
+            <a:avLst/>
+          </a:prstGeom>
+          <a:noFill/>
+          <a:extLst>
+            <a:ext uri="{909E8E84-426E-40DD-AFC4-6F175D3DCCD1}">
+              <a14:hiddenFill xmlns:a14="http://schemas.microsoft.com/office/drawing/2010/main">
+                <a:solidFill>
+                  <a:srgbClr val="FFFFFF"/>
+                </a:solidFill>
+              </a14:hiddenFill>
+            </a:ext>
+          </a:extLst>
+        </p:spPr>
+      </p:pic>
+    </p:spTree>
+    <p:extLst>
+      <p:ext uri="{BB962C8B-B14F-4D97-AF65-F5344CB8AC3E}">
+        <p14:creationId xmlns:p14="http://schemas.microsoft.com/office/powerpoint/2010/main" val="1546161118"/>
+      </p:ext>
+    </p:extLst>
+  </p:cSld>
+  <p:clrMapOvr>
+    <a:masterClrMapping/>
+  </p:clrMapOvr>
+</p:sld>
+</file>
+
+<file path=ppt/slides/slide7.xml><?xml version="1.0" encoding="utf-8"?>
+<p:sld xmlns:a="http://schemas.openxmlformats.org/drawingml/2006/main" xmlns:r="http://schemas.openxmlformats.org/officeDocument/2006/relationships" xmlns:p="http://schemas.openxmlformats.org/presentationml/2006/main">
+  <p:cSld>
+    <p:spTree>
+      <p:nvGrpSpPr>
+        <p:cNvPr id="1" name=""/>
+        <p:cNvGrpSpPr/>
+        <p:nvPr/>
+      </p:nvGrpSpPr>
+      <p:grpSpPr>
+        <a:xfrm>
+          <a:off x="0" y="0"/>
+          <a:ext cx="0" cy="0"/>
+          <a:chOff x="0" y="0"/>
+          <a:chExt cx="0" cy="0"/>
+        </a:xfrm>
+      </p:grpSpPr>
+      <p:pic>
+        <p:nvPicPr>
+          <p:cNvPr id="4" name="Рисунок 3">
+            <a:extLst>
+              <a:ext uri="{FF2B5EF4-FFF2-40B4-BE49-F238E27FC236}">
+                <a16:creationId xmlns:a16="http://schemas.microsoft.com/office/drawing/2014/main" id="{A0AC5339-4522-B1BF-D425-ECFE3587238E}"/>
+              </a:ext>
+            </a:extLst>
+          </p:cNvPr>
+          <p:cNvPicPr>
+            <a:picLocks noChangeAspect="1"/>
+          </p:cNvPicPr>
+          <p:nvPr/>
+        </p:nvPicPr>
+        <p:blipFill>
+          <a:blip r:embed="rId2" cstate="print">
+            <a:extLst>
+              <a:ext uri="{28A0092B-C50C-407E-A947-70E740481C1C}">
+                <a14:useLocalDpi xmlns:a14="http://schemas.microsoft.com/office/drawing/2010/main" val="0"/>
+              </a:ext>
+            </a:extLst>
+          </a:blip>
+          <a:stretch>
+            <a:fillRect/>
+          </a:stretch>
+        </p:blipFill>
+        <p:spPr>
+          <a:xfrm>
+            <a:off x="-112542" y="-1"/>
+            <a:ext cx="2164542" cy="935523"/>
+          </a:xfrm>
+          <a:prstGeom prst="rect">
+            <a:avLst/>
+          </a:prstGeom>
+        </p:spPr>
+      </p:pic>
+      <p:sp>
+        <p:nvSpPr>
+          <p:cNvPr id="6" name="TextBox 5">
+            <a:extLst>
+              <a:ext uri="{FF2B5EF4-FFF2-40B4-BE49-F238E27FC236}">
+                <a16:creationId xmlns:a16="http://schemas.microsoft.com/office/drawing/2014/main" id="{87E2D704-6CA7-FA6C-184A-29AD22314EE5}"/>
+              </a:ext>
+            </a:extLst>
+          </p:cNvPr>
+          <p:cNvSpPr txBox="1"/>
+          <p:nvPr/>
+        </p:nvSpPr>
+        <p:spPr>
+          <a:xfrm>
+            <a:off x="8650197" y="0"/>
+            <a:ext cx="3541803" cy="584775"/>
+          </a:xfrm>
+          <a:prstGeom prst="rect">
+            <a:avLst/>
+          </a:prstGeom>
+          <a:noFill/>
+        </p:spPr>
+        <p:txBody>
+          <a:bodyPr wrap="none" rtlCol="0">
+            <a:spAutoFit/>
+          </a:bodyPr>
+          <a:lstStyle/>
+          <a:p>
+            <a:pPr algn="r"/>
+            <a:r>
+              <a:rPr lang="ru-RU" sz="3200" dirty="0" smtClean="0"/>
+              <a:t>Сервисные модели</a:t>
+            </a:r>
+            <a:endParaRPr lang="ru-RU" sz="3200" dirty="0"/>
+          </a:p>
+        </p:txBody>
+      </p:sp>
+      <p:pic>
+        <p:nvPicPr>
+          <p:cNvPr id="4100" name="Picture 4" descr="Cloud Computing Service Models: SaaS, PaaS and IaaS - Finoit Technologies"/>
+          <p:cNvPicPr>
+            <a:picLocks noChangeAspect="1" noChangeArrowheads="1"/>
+          </p:cNvPicPr>
+          <p:nvPr/>
+        </p:nvPicPr>
+        <p:blipFill>
+          <a:blip r:embed="rId3">
+            <a:extLst>
+              <a:ext uri="{28A0092B-C50C-407E-A947-70E740481C1C}">
+                <a14:useLocalDpi xmlns:a14="http://schemas.microsoft.com/office/drawing/2010/main" val="0"/>
+              </a:ext>
+            </a:extLst>
+          </a:blip>
+          <a:srcRect/>
+          <a:stretch>
+            <a:fillRect/>
+          </a:stretch>
+        </p:blipFill>
+        <p:spPr bwMode="auto">
+          <a:xfrm>
+            <a:off x="2240252" y="0"/>
+            <a:ext cx="5687595" cy="3680209"/>
+          </a:xfrm>
+          <a:prstGeom prst="rect">
+            <a:avLst/>
+          </a:prstGeom>
+          <a:noFill/>
+          <a:extLst>
+            <a:ext uri="{909E8E84-426E-40DD-AFC4-6F175D3DCCD1}">
+              <a14:hiddenFill xmlns:a14="http://schemas.microsoft.com/office/drawing/2010/main">
+                <a:solidFill>
+                  <a:srgbClr val="FFFFFF"/>
+                </a:solidFill>
+              </a14:hiddenFill>
+            </a:ext>
+          </a:extLst>
+        </p:spPr>
+      </p:pic>
+      <p:pic>
+        <p:nvPicPr>
+          <p:cNvPr id="3" name="Рисунок 2"/>
+          <p:cNvPicPr>
+            <a:picLocks noChangeAspect="1"/>
+          </p:cNvPicPr>
+          <p:nvPr/>
+        </p:nvPicPr>
+        <p:blipFill>
+          <a:blip r:embed="rId4"/>
+          <a:stretch>
+            <a:fillRect/>
+          </a:stretch>
+        </p:blipFill>
+        <p:spPr>
+          <a:xfrm>
+            <a:off x="2865970" y="3387600"/>
+            <a:ext cx="4234106" cy="3278376"/>
+          </a:xfrm>
+          <a:prstGeom prst="rect">
+            <a:avLst/>
+          </a:prstGeom>
+        </p:spPr>
+      </p:pic>
+    </p:spTree>
+    <p:extLst>
+      <p:ext uri="{BB962C8B-B14F-4D97-AF65-F5344CB8AC3E}">
+        <p14:creationId xmlns:p14="http://schemas.microsoft.com/office/powerpoint/2010/main" val="1536174162"/>
+      </p:ext>
+    </p:extLst>
+  </p:cSld>
+  <p:clrMapOvr>
+    <a:masterClrMapping/>
+  </p:clrMapOvr>
+</p:sld>
+</file>
+
+<file path=ppt/slides/slide8.xml><?xml version="1.0" encoding="utf-8"?>
+<p:sld xmlns:a="http://schemas.openxmlformats.org/drawingml/2006/main" xmlns:r="http://schemas.openxmlformats.org/officeDocument/2006/relationships" xmlns:p="http://schemas.openxmlformats.org/presentationml/2006/main">
+  <p:cSld>
+    <p:spTree>
+      <p:nvGrpSpPr>
+        <p:cNvPr id="1" name=""/>
+        <p:cNvGrpSpPr/>
+        <p:nvPr/>
+      </p:nvGrpSpPr>
+      <p:grpSpPr>
+        <a:xfrm>
+          <a:off x="0" y="0"/>
+          <a:ext cx="0" cy="0"/>
+          <a:chOff x="0" y="0"/>
+          <a:chExt cx="0" cy="0"/>
+        </a:xfrm>
+      </p:grpSpPr>
+      <p:pic>
+        <p:nvPicPr>
+          <p:cNvPr id="4" name="Рисунок 3">
+            <a:extLst>
+              <a:ext uri="{FF2B5EF4-FFF2-40B4-BE49-F238E27FC236}">
+                <a16:creationId xmlns:a16="http://schemas.microsoft.com/office/drawing/2014/main" id="{A0AC5339-4522-B1BF-D425-ECFE3587238E}"/>
+              </a:ext>
+            </a:extLst>
+          </p:cNvPr>
+          <p:cNvPicPr>
+            <a:picLocks noChangeAspect="1"/>
+          </p:cNvPicPr>
+          <p:nvPr/>
+        </p:nvPicPr>
+        <p:blipFill>
+          <a:blip r:embed="rId2" cstate="print">
+            <a:extLst>
+              <a:ext uri="{28A0092B-C50C-407E-A947-70E740481C1C}">
+                <a14:useLocalDpi xmlns:a14="http://schemas.microsoft.com/office/drawing/2010/main" val="0"/>
+              </a:ext>
+            </a:extLst>
+          </a:blip>
+          <a:stretch>
+            <a:fillRect/>
+          </a:stretch>
+        </p:blipFill>
+        <p:spPr>
+          <a:xfrm>
+            <a:off x="-112542" y="-1"/>
+            <a:ext cx="2164542" cy="935523"/>
+          </a:xfrm>
+          <a:prstGeom prst="rect">
+            <a:avLst/>
+          </a:prstGeom>
+        </p:spPr>
+      </p:pic>
+      <p:sp>
+        <p:nvSpPr>
+          <p:cNvPr id="6" name="TextBox 5">
+            <a:extLst>
+              <a:ext uri="{FF2B5EF4-FFF2-40B4-BE49-F238E27FC236}">
+                <a16:creationId xmlns:a16="http://schemas.microsoft.com/office/drawing/2014/main" id="{87E2D704-6CA7-FA6C-184A-29AD22314EE5}"/>
+              </a:ext>
+            </a:extLst>
+          </p:cNvPr>
+          <p:cNvSpPr txBox="1"/>
+          <p:nvPr/>
+        </p:nvSpPr>
+        <p:spPr>
+          <a:xfrm>
+            <a:off x="8650197" y="0"/>
+            <a:ext cx="3541803" cy="584775"/>
+          </a:xfrm>
+          <a:prstGeom prst="rect">
+            <a:avLst/>
+          </a:prstGeom>
+          <a:noFill/>
+        </p:spPr>
+        <p:txBody>
+          <a:bodyPr wrap="none" rtlCol="0">
+            <a:spAutoFit/>
+          </a:bodyPr>
+          <a:lstStyle/>
+          <a:p>
+            <a:pPr algn="r"/>
+            <a:r>
+              <a:rPr lang="ru-RU" sz="3200" dirty="0" smtClean="0"/>
+              <a:t>Сервисные модели</a:t>
+            </a:r>
+            <a:endParaRPr lang="ru-RU" sz="3200" dirty="0"/>
+          </a:p>
+        </p:txBody>
+      </p:sp>
+      <p:sp>
+        <p:nvSpPr>
+          <p:cNvPr id="5" name="TextBox 4"/>
+          <p:cNvSpPr txBox="1"/>
+          <p:nvPr/>
+        </p:nvSpPr>
+        <p:spPr>
+          <a:xfrm>
+            <a:off x="2326985" y="292387"/>
+            <a:ext cx="5724144" cy="2554545"/>
+          </a:xfrm>
+          <a:prstGeom prst="rect">
+            <a:avLst/>
+          </a:prstGeom>
+          <a:solidFill>
+            <a:schemeClr val="accent2">
+              <a:lumMod val="20000"/>
+              <a:lumOff val="80000"/>
+            </a:schemeClr>
+          </a:solidFill>
+          <a:ln>
+            <a:solidFill>
+              <a:schemeClr val="tx1"/>
+            </a:solidFill>
+          </a:ln>
+          <a:effectLst>
+            <a:outerShdw blurRad="50800" dist="38100" dir="2700000" algn="tl" rotWithShape="0">
+              <a:prstClr val="black">
+                <a:alpha val="40000"/>
+              </a:prstClr>
+            </a:outerShdw>
+          </a:effectLst>
+        </p:spPr>
+        <p:txBody>
+          <a:bodyPr wrap="square" rtlCol="0">
+            <a:spAutoFit/>
+          </a:bodyPr>
+          <a:lstStyle/>
+          <a:p>
+            <a:r>
+              <a:rPr lang="ru-RU" sz="1600" b="1" dirty="0" err="1" smtClean="0"/>
+              <a:t>IaaS</a:t>
+            </a:r>
+            <a:r>
+              <a:rPr lang="ru-RU" sz="1600" b="1" dirty="0" smtClean="0"/>
+              <a:t> </a:t>
+            </a:r>
+            <a:r>
+              <a:rPr lang="en-US" sz="1600" dirty="0" smtClean="0"/>
+              <a:t>Infrastructure as a Service</a:t>
+            </a:r>
+            <a:endParaRPr lang="ru-RU" sz="1600" b="1" dirty="0"/>
+          </a:p>
+          <a:p>
+            <a:r>
+              <a:rPr lang="ru-RU" sz="1600" dirty="0"/>
+              <a:t>Для системного администратора</a:t>
+            </a:r>
+          </a:p>
+          <a:p>
+            <a:r>
+              <a:rPr lang="ru-RU" sz="1600" dirty="0"/>
+              <a:t>Серверы (виртуальные) - количество и модель процессоров</a:t>
+            </a:r>
+          </a:p>
+          <a:p>
+            <a:pPr marL="285750" indent="-285750">
+              <a:buFont typeface="Arial" panose="020B0604020202020204" pitchFamily="34" charset="0"/>
+              <a:buChar char="•"/>
+            </a:pPr>
+            <a:r>
+              <a:rPr lang="ru-RU" sz="1600" dirty="0"/>
+              <a:t>ОЗУ </a:t>
+            </a:r>
+            <a:r>
+              <a:rPr lang="en-US" sz="1600" i="1" dirty="0" err="1" smtClean="0"/>
+              <a:t>eg</a:t>
+            </a:r>
+            <a:r>
+              <a:rPr lang="en-US" sz="1600" dirty="0" smtClean="0"/>
+              <a:t> </a:t>
+            </a:r>
+            <a:r>
+              <a:rPr lang="ru-RU" sz="1600" dirty="0" smtClean="0"/>
+              <a:t>1 </a:t>
+            </a:r>
+            <a:r>
+              <a:rPr lang="ru-RU" sz="1600" dirty="0"/>
+              <a:t>Гб</a:t>
+            </a:r>
+          </a:p>
+          <a:p>
+            <a:pPr marL="285750" indent="-285750">
+              <a:buFont typeface="Arial" panose="020B0604020202020204" pitchFamily="34" charset="0"/>
+              <a:buChar char="•"/>
+            </a:pPr>
+            <a:r>
+              <a:rPr lang="ru-RU" sz="1600" dirty="0"/>
+              <a:t>Дисковое пространство </a:t>
+            </a:r>
+            <a:r>
+              <a:rPr lang="en-US" sz="1600" i="1" dirty="0" err="1" smtClean="0"/>
+              <a:t>eg</a:t>
+            </a:r>
+            <a:r>
+              <a:rPr lang="en-US" sz="1600" dirty="0" smtClean="0"/>
+              <a:t> </a:t>
+            </a:r>
+            <a:r>
+              <a:rPr lang="ru-RU" sz="1600" dirty="0" smtClean="0"/>
+              <a:t>1 </a:t>
+            </a:r>
+            <a:r>
+              <a:rPr lang="ru-RU" sz="1600" dirty="0"/>
+              <a:t>Тб</a:t>
+            </a:r>
+          </a:p>
+          <a:p>
+            <a:pPr marL="285750" indent="-285750">
+              <a:buFont typeface="Arial" panose="020B0604020202020204" pitchFamily="34" charset="0"/>
+              <a:buChar char="•"/>
+            </a:pPr>
+            <a:r>
+              <a:rPr lang="ru-RU" sz="1600" dirty="0"/>
+              <a:t>Сетевое подключение </a:t>
+            </a:r>
+            <a:r>
+              <a:rPr lang="en-US" sz="1600" i="1" dirty="0" err="1" smtClean="0"/>
+              <a:t>eg</a:t>
+            </a:r>
+            <a:r>
+              <a:rPr lang="en-US" sz="1600" dirty="0" smtClean="0"/>
+              <a:t> </a:t>
+            </a:r>
+            <a:r>
+              <a:rPr lang="ru-RU" sz="1600" dirty="0" smtClean="0"/>
+              <a:t>100 </a:t>
+            </a:r>
+            <a:r>
+              <a:rPr lang="ru-RU" sz="1600" dirty="0"/>
+              <a:t>Мбит/с 1 Тб/месяц</a:t>
+            </a:r>
+          </a:p>
+          <a:p>
+            <a:r>
+              <a:rPr lang="ru-RU" sz="1600" dirty="0"/>
+              <a:t>Тарификация по времени</a:t>
+            </a:r>
+          </a:p>
+          <a:p>
+            <a:r>
+              <a:rPr lang="ru-RU" sz="1600" dirty="0"/>
+              <a:t>Выбор образов ОС</a:t>
+            </a:r>
+          </a:p>
+          <a:p>
+            <a:r>
+              <a:rPr lang="ru-RU" sz="1600" dirty="0" smtClean="0"/>
+              <a:t>Развёртывание – 1 мин</a:t>
+            </a:r>
+          </a:p>
+          <a:p>
+            <a:r>
+              <a:rPr lang="ru-RU" sz="1600" dirty="0" smtClean="0"/>
+              <a:t>ПО </a:t>
+            </a:r>
+            <a:r>
+              <a:rPr lang="ru-RU" sz="1600" dirty="0"/>
+              <a:t>- ответственность </a:t>
+            </a:r>
+            <a:r>
+              <a:rPr lang="ru-RU" sz="1600" dirty="0" smtClean="0"/>
+              <a:t>клиента</a:t>
+            </a:r>
+            <a:endParaRPr lang="ru-RU" sz="1600" dirty="0"/>
+          </a:p>
+        </p:txBody>
+      </p:sp>
+      <p:sp>
+        <p:nvSpPr>
+          <p:cNvPr id="7" name="Прямоугольник 6"/>
+          <p:cNvSpPr/>
+          <p:nvPr/>
+        </p:nvSpPr>
+        <p:spPr>
+          <a:xfrm>
+            <a:off x="671306" y="3673123"/>
+            <a:ext cx="6096000" cy="2800767"/>
+          </a:xfrm>
+          <a:prstGeom prst="rect">
+            <a:avLst/>
+          </a:prstGeom>
+          <a:solidFill>
+            <a:schemeClr val="accent6">
+              <a:lumMod val="40000"/>
+              <a:lumOff val="60000"/>
+            </a:schemeClr>
+          </a:solidFill>
+          <a:ln>
+            <a:solidFill>
+              <a:schemeClr val="tx1"/>
+            </a:solidFill>
+          </a:ln>
+          <a:effectLst>
+            <a:outerShdw blurRad="50800" dist="38100" dir="2700000" algn="tl" rotWithShape="0">
+              <a:prstClr val="black">
+                <a:alpha val="40000"/>
+              </a:prstClr>
+            </a:outerShdw>
+          </a:effectLst>
+        </p:spPr>
+        <p:txBody>
+          <a:bodyPr>
+            <a:spAutoFit/>
+          </a:bodyPr>
+          <a:lstStyle/>
+          <a:p>
+            <a:r>
+              <a:rPr lang="ru-RU" sz="1600" b="1" i="0" dirty="0" err="1" smtClean="0">
+                <a:solidFill>
+                  <a:srgbClr val="212121"/>
+                </a:solidFill>
+                <a:effectLst/>
+              </a:rPr>
+              <a:t>PaaS</a:t>
+            </a:r>
+            <a:r>
+              <a:rPr lang="en-US" sz="1600" b="1" i="0" dirty="0" smtClean="0">
+                <a:solidFill>
+                  <a:srgbClr val="212121"/>
+                </a:solidFill>
+                <a:effectLst/>
+              </a:rPr>
+              <a:t> </a:t>
+            </a:r>
+            <a:r>
+              <a:rPr lang="en-US" sz="1600" i="0" dirty="0" smtClean="0">
+                <a:solidFill>
+                  <a:srgbClr val="212121"/>
+                </a:solidFill>
+                <a:effectLst/>
+              </a:rPr>
+              <a:t>Platform as a Service</a:t>
+            </a:r>
+            <a:endParaRPr lang="ru-RU" sz="1600" b="1" i="0" dirty="0" smtClean="0">
+              <a:solidFill>
+                <a:srgbClr val="212121"/>
+              </a:solidFill>
+              <a:effectLst/>
+            </a:endParaRPr>
+          </a:p>
+          <a:p>
+            <a:r>
+              <a:rPr lang="ru-RU" sz="1600" b="0" i="0" dirty="0" smtClean="0">
+                <a:solidFill>
+                  <a:srgbClr val="212121"/>
+                </a:solidFill>
+                <a:effectLst/>
+              </a:rPr>
+              <a:t>Для программиста / </a:t>
+            </a:r>
+            <a:r>
+              <a:rPr lang="ru-RU" sz="1600" b="0" i="0" dirty="0" err="1" smtClean="0">
+                <a:solidFill>
+                  <a:srgbClr val="212121"/>
+                </a:solidFill>
+                <a:effectLst/>
+              </a:rPr>
+              <a:t>DevOps</a:t>
+            </a:r>
+            <a:endParaRPr lang="ru-RU" sz="1600" b="0" i="0" dirty="0" smtClean="0">
+              <a:solidFill>
+                <a:srgbClr val="212121"/>
+              </a:solidFill>
+              <a:effectLst/>
+            </a:endParaRPr>
+          </a:p>
+          <a:p>
+            <a:r>
+              <a:rPr lang="ru-RU" sz="1600" b="0" i="0" dirty="0" smtClean="0">
+                <a:solidFill>
+                  <a:srgbClr val="212121"/>
+                </a:solidFill>
+                <a:effectLst/>
+              </a:rPr>
+              <a:t>ПО</a:t>
+            </a:r>
+          </a:p>
+          <a:p>
+            <a:pPr marL="742950" lvl="1" indent="-285750">
+              <a:buFont typeface="Arial" panose="020B0604020202020204" pitchFamily="34" charset="0"/>
+              <a:buChar char="•"/>
+            </a:pPr>
+            <a:r>
+              <a:rPr lang="ru-RU" sz="1600" b="0" i="0" dirty="0" smtClean="0">
+                <a:solidFill>
+                  <a:srgbClr val="212121"/>
+                </a:solidFill>
+                <a:effectLst/>
+              </a:rPr>
+              <a:t>Системное БД</a:t>
+            </a:r>
+          </a:p>
+          <a:p>
+            <a:pPr marL="742950" lvl="1" indent="-285750">
+              <a:buFont typeface="Arial" panose="020B0604020202020204" pitchFamily="34" charset="0"/>
+              <a:buChar char="•"/>
+            </a:pPr>
+            <a:r>
+              <a:rPr lang="ru-RU" sz="1600" b="0" i="0" dirty="0" smtClean="0">
+                <a:solidFill>
+                  <a:srgbClr val="212121"/>
+                </a:solidFill>
+                <a:effectLst/>
+              </a:rPr>
+              <a:t>Платформа Языков программирования</a:t>
+            </a:r>
+          </a:p>
+          <a:p>
+            <a:pPr marL="742950" lvl="1" indent="-285750">
+              <a:buFont typeface="Arial" panose="020B0604020202020204" pitchFamily="34" charset="0"/>
+              <a:buChar char="•"/>
+            </a:pPr>
+            <a:r>
+              <a:rPr lang="ru-RU" sz="1600" b="0" i="0" dirty="0" smtClean="0">
+                <a:solidFill>
+                  <a:srgbClr val="212121"/>
+                </a:solidFill>
+                <a:effectLst/>
+              </a:rPr>
+              <a:t>Платформа тестирования</a:t>
+            </a:r>
+          </a:p>
+          <a:p>
+            <a:pPr marL="742950" lvl="1" indent="-285750">
+              <a:buFont typeface="Arial" panose="020B0604020202020204" pitchFamily="34" charset="0"/>
+              <a:buChar char="•"/>
+            </a:pPr>
+            <a:r>
+              <a:rPr lang="ru-RU" sz="1600" b="0" i="0" dirty="0" smtClean="0">
+                <a:solidFill>
+                  <a:srgbClr val="212121"/>
+                </a:solidFill>
+                <a:effectLst/>
+              </a:rPr>
+              <a:t>Каталог - регистрации и авторизации пользователей</a:t>
+            </a:r>
+          </a:p>
+          <a:p>
+            <a:pPr marL="742950" lvl="1" indent="-285750">
+              <a:buFont typeface="Arial" panose="020B0604020202020204" pitchFamily="34" charset="0"/>
+              <a:buChar char="•"/>
+            </a:pPr>
+            <a:r>
+              <a:rPr lang="ru-RU" sz="1600" b="0" i="0" dirty="0" err="1" smtClean="0">
+                <a:solidFill>
+                  <a:srgbClr val="212121"/>
+                </a:solidFill>
+                <a:effectLst/>
+              </a:rPr>
+              <a:t>Балансировщики</a:t>
+            </a:r>
+            <a:r>
+              <a:rPr lang="ru-RU" sz="1600" b="0" i="0" dirty="0" smtClean="0">
+                <a:solidFill>
+                  <a:srgbClr val="212121"/>
+                </a:solidFill>
+                <a:effectLst/>
+              </a:rPr>
+              <a:t> нагрузки</a:t>
+            </a:r>
+          </a:p>
+          <a:p>
+            <a:pPr marL="742950" lvl="1" indent="-285750">
+              <a:buFont typeface="Arial" panose="020B0604020202020204" pitchFamily="34" charset="0"/>
+              <a:buChar char="•"/>
+            </a:pPr>
+            <a:r>
+              <a:rPr lang="ru-RU" sz="1600" b="0" i="0" dirty="0" err="1" smtClean="0">
+                <a:solidFill>
+                  <a:srgbClr val="212121"/>
+                </a:solidFill>
+                <a:effectLst/>
+              </a:rPr>
+              <a:t>Middleware</a:t>
+            </a:r>
+            <a:r>
+              <a:rPr lang="ru-RU" sz="1600" b="0" i="0" dirty="0" smtClean="0">
+                <a:solidFill>
+                  <a:srgbClr val="212121"/>
+                </a:solidFill>
+                <a:effectLst/>
+              </a:rPr>
+              <a:t> - </a:t>
+            </a:r>
+            <a:r>
+              <a:rPr lang="ru-RU" sz="1600" b="0" i="0" dirty="0" err="1" smtClean="0">
+                <a:solidFill>
+                  <a:srgbClr val="212121"/>
+                </a:solidFill>
+                <a:effectLst/>
+              </a:rPr>
+              <a:t>связующуее</a:t>
+            </a:r>
+            <a:r>
+              <a:rPr lang="ru-RU" sz="1600" b="0" i="0" dirty="0" smtClean="0">
+                <a:solidFill>
+                  <a:srgbClr val="212121"/>
+                </a:solidFill>
+                <a:effectLst/>
+              </a:rPr>
+              <a:t> ПО</a:t>
+            </a:r>
+          </a:p>
+          <a:p>
+            <a:r>
+              <a:rPr lang="ru-RU" sz="1600" b="0" i="0" dirty="0" smtClean="0">
+                <a:solidFill>
+                  <a:srgbClr val="212121"/>
+                </a:solidFill>
+                <a:effectLst/>
+              </a:rPr>
+              <a:t>Разработка, отладка и запуск своего ПО</a:t>
+            </a:r>
+          </a:p>
+          <a:p>
+            <a:r>
+              <a:rPr lang="ru-RU" sz="1600" b="0" i="0" dirty="0" smtClean="0">
+                <a:solidFill>
+                  <a:srgbClr val="212121"/>
+                </a:solidFill>
+                <a:effectLst/>
+              </a:rPr>
+              <a:t>Время, кол-во операций, сетевой трафик</a:t>
+            </a:r>
+            <a:endParaRPr lang="ru-RU" sz="1600" b="0" i="0" dirty="0">
+              <a:solidFill>
+                <a:srgbClr val="212121"/>
+              </a:solidFill>
+              <a:effectLst/>
+            </a:endParaRPr>
+          </a:p>
+        </p:txBody>
+      </p:sp>
+      <p:sp>
+        <p:nvSpPr>
+          <p:cNvPr id="2" name="Прямоугольник 1"/>
+          <p:cNvSpPr/>
+          <p:nvPr/>
+        </p:nvSpPr>
+        <p:spPr>
+          <a:xfrm>
+            <a:off x="6347229" y="2184385"/>
+            <a:ext cx="4998796" cy="4031873"/>
+          </a:xfrm>
+          <a:prstGeom prst="rect">
+            <a:avLst/>
+          </a:prstGeom>
+          <a:solidFill>
+            <a:schemeClr val="accent4">
+              <a:lumMod val="40000"/>
+              <a:lumOff val="60000"/>
+            </a:schemeClr>
+          </a:solidFill>
+          <a:ln>
+            <a:solidFill>
+              <a:schemeClr val="tx1"/>
+            </a:solidFill>
+          </a:ln>
+          <a:effectLst>
+            <a:outerShdw blurRad="50800" dist="38100" dir="2700000" algn="tl" rotWithShape="0">
+              <a:prstClr val="black">
+                <a:alpha val="40000"/>
+              </a:prstClr>
+            </a:outerShdw>
+          </a:effectLst>
+        </p:spPr>
+        <p:txBody>
+          <a:bodyPr wrap="square">
+            <a:spAutoFit/>
+          </a:bodyPr>
+          <a:lstStyle/>
+          <a:p>
+            <a:r>
+              <a:rPr lang="ru-RU" sz="1600" b="1" i="0" dirty="0" err="1" smtClean="0">
+                <a:solidFill>
+                  <a:srgbClr val="212121"/>
+                </a:solidFill>
+                <a:effectLst/>
+              </a:rPr>
+              <a:t>SaaS</a:t>
+            </a:r>
+            <a:r>
+              <a:rPr lang="en-US" sz="1600" b="1" i="0" dirty="0" smtClean="0">
+                <a:solidFill>
+                  <a:srgbClr val="212121"/>
+                </a:solidFill>
+                <a:effectLst/>
+              </a:rPr>
+              <a:t> </a:t>
+            </a:r>
+            <a:r>
+              <a:rPr lang="en-US" sz="1600" i="0" dirty="0" smtClean="0">
+                <a:solidFill>
+                  <a:srgbClr val="212121"/>
+                </a:solidFill>
+                <a:effectLst/>
+              </a:rPr>
+              <a:t>Software as a Service</a:t>
+            </a:r>
+            <a:endParaRPr lang="ru-RU" sz="1600" b="1" i="0" dirty="0" smtClean="0">
+              <a:solidFill>
+                <a:srgbClr val="212121"/>
+              </a:solidFill>
+              <a:effectLst/>
+            </a:endParaRPr>
+          </a:p>
+          <a:p>
+            <a:pPr>
+              <a:buFont typeface="Arial" panose="020B0604020202020204" pitchFamily="34" charset="0"/>
+              <a:buChar char="•"/>
+            </a:pPr>
+            <a:r>
+              <a:rPr lang="ru-RU" sz="1600" b="0" i="0" dirty="0" smtClean="0">
+                <a:solidFill>
+                  <a:srgbClr val="212121"/>
+                </a:solidFill>
+                <a:effectLst/>
+              </a:rPr>
+              <a:t>Конечный пользователь</a:t>
+            </a:r>
+          </a:p>
+          <a:p>
+            <a:pPr>
+              <a:buFont typeface="Arial" panose="020B0604020202020204" pitchFamily="34" charset="0"/>
+              <a:buChar char="•"/>
+            </a:pPr>
+            <a:r>
+              <a:rPr lang="ru-RU" sz="1600" b="0" i="0" dirty="0" smtClean="0">
+                <a:solidFill>
+                  <a:srgbClr val="212121"/>
+                </a:solidFill>
+                <a:effectLst/>
+              </a:rPr>
+              <a:t>Прикладное ПО</a:t>
+            </a:r>
+          </a:p>
+          <a:p>
+            <a:pPr>
+              <a:buFont typeface="Arial" panose="020B0604020202020204" pitchFamily="34" charset="0"/>
+              <a:buChar char="•"/>
+            </a:pPr>
+            <a:r>
+              <a:rPr lang="ru-RU" sz="1600" b="0" i="0" dirty="0" smtClean="0">
+                <a:solidFill>
+                  <a:srgbClr val="212121"/>
+                </a:solidFill>
+                <a:effectLst/>
+              </a:rPr>
+              <a:t>99% Веб-доступ / Браузер</a:t>
+            </a:r>
+          </a:p>
+          <a:p>
+            <a:pPr marL="742950" lvl="1" indent="-285750">
+              <a:buFont typeface="Arial" panose="020B0604020202020204" pitchFamily="34" charset="0"/>
+              <a:buChar char="•"/>
+            </a:pPr>
+            <a:r>
+              <a:rPr lang="ru-RU" sz="1600" b="0" i="0" dirty="0" smtClean="0">
+                <a:solidFill>
+                  <a:srgbClr val="212121"/>
+                </a:solidFill>
+                <a:effectLst/>
+              </a:rPr>
+              <a:t>Специализированное ПО / Тонкий клиент</a:t>
+            </a:r>
+          </a:p>
+          <a:p>
+            <a:pPr>
+              <a:buFont typeface="Arial" panose="020B0604020202020204" pitchFamily="34" charset="0"/>
+              <a:buChar char="•"/>
+            </a:pPr>
+            <a:r>
+              <a:rPr lang="ru-RU" sz="1600" b="0" i="0" dirty="0" smtClean="0">
+                <a:solidFill>
+                  <a:srgbClr val="212121"/>
+                </a:solidFill>
+                <a:effectLst/>
+              </a:rPr>
+              <a:t>Не требуется установка ПО у клиента</a:t>
+            </a:r>
+          </a:p>
+          <a:p>
+            <a:pPr marL="742950" lvl="1" indent="-285750">
+              <a:buFont typeface="Arial" panose="020B0604020202020204" pitchFamily="34" charset="0"/>
+              <a:buChar char="•"/>
+            </a:pPr>
+            <a:r>
+              <a:rPr lang="ru-RU" sz="1600" b="0" i="0" dirty="0" smtClean="0">
+                <a:solidFill>
+                  <a:srgbClr val="212121"/>
+                </a:solidFill>
+                <a:effectLst/>
+              </a:rPr>
+              <a:t>Централизовано</a:t>
+            </a:r>
+          </a:p>
+          <a:p>
+            <a:pPr marL="742950" lvl="1" indent="-285750">
+              <a:buFont typeface="Arial" panose="020B0604020202020204" pitchFamily="34" charset="0"/>
+              <a:buChar char="•"/>
+            </a:pPr>
+            <a:r>
+              <a:rPr lang="ru-RU" sz="1600" b="0" i="0" dirty="0" smtClean="0">
+                <a:solidFill>
+                  <a:srgbClr val="212121"/>
+                </a:solidFill>
+                <a:effectLst/>
+              </a:rPr>
+              <a:t>Обновляется</a:t>
+            </a:r>
+          </a:p>
+          <a:p>
+            <a:pPr marL="742950" lvl="1" indent="-285750">
+              <a:buFont typeface="Arial" panose="020B0604020202020204" pitchFamily="34" charset="0"/>
+              <a:buChar char="•"/>
+            </a:pPr>
+            <a:r>
+              <a:rPr lang="ru-RU" sz="1600" b="0" i="0" dirty="0" smtClean="0">
+                <a:solidFill>
+                  <a:srgbClr val="212121"/>
+                </a:solidFill>
+                <a:effectLst/>
+              </a:rPr>
+              <a:t>Единая версия ПО</a:t>
+            </a:r>
+          </a:p>
+          <a:p>
+            <a:pPr>
+              <a:buFont typeface="Arial" panose="020B0604020202020204" pitchFamily="34" charset="0"/>
+              <a:buChar char="•"/>
+            </a:pPr>
+            <a:r>
+              <a:rPr lang="ru-RU" sz="1600" b="0" i="0" dirty="0" smtClean="0">
+                <a:solidFill>
+                  <a:srgbClr val="212121"/>
+                </a:solidFill>
+                <a:effectLst/>
+              </a:rPr>
+              <a:t>Оплата - лицензия: за 1 пользователя / месяц (год)</a:t>
+            </a:r>
+            <a:endParaRPr lang="en-US" sz="1600" b="0" i="0" dirty="0" smtClean="0">
+              <a:solidFill>
+                <a:srgbClr val="212121"/>
+              </a:solidFill>
+              <a:effectLst/>
+            </a:endParaRPr>
+          </a:p>
+          <a:p>
+            <a:pPr lvl="1">
+              <a:buFont typeface="Arial" panose="020B0604020202020204" pitchFamily="34" charset="0"/>
+              <a:buChar char="•"/>
+            </a:pPr>
+            <a:r>
+              <a:rPr lang="ru-RU" sz="1600" dirty="0" smtClean="0">
+                <a:solidFill>
+                  <a:srgbClr val="212121"/>
+                </a:solidFill>
+              </a:rPr>
+              <a:t>Бывает бесплатно</a:t>
+            </a:r>
+            <a:endParaRPr lang="ru-RU" sz="1600" b="0" i="0" dirty="0" smtClean="0">
+              <a:solidFill>
+                <a:srgbClr val="212121"/>
+              </a:solidFill>
+              <a:effectLst/>
+            </a:endParaRPr>
+          </a:p>
+          <a:p>
+            <a:pPr>
+              <a:buFont typeface="Arial" panose="020B0604020202020204" pitchFamily="34" charset="0"/>
+              <a:buChar char="•"/>
+            </a:pPr>
+            <a:r>
+              <a:rPr lang="ru-RU" sz="1600" b="0" i="0" dirty="0" smtClean="0">
+                <a:solidFill>
+                  <a:srgbClr val="212121"/>
+                </a:solidFill>
+                <a:effectLst/>
+              </a:rPr>
+              <a:t>Не может и не должен обслуживать ПО</a:t>
+            </a:r>
+          </a:p>
+          <a:p>
+            <a:pPr marL="742950" lvl="1" indent="-285750">
+              <a:buFont typeface="Arial" panose="020B0604020202020204" pitchFamily="34" charset="0"/>
+              <a:buChar char="•"/>
+            </a:pPr>
+            <a:r>
+              <a:rPr lang="ru-RU" sz="1600" b="0" i="0" dirty="0" smtClean="0">
+                <a:solidFill>
+                  <a:srgbClr val="212121"/>
+                </a:solidFill>
+                <a:effectLst/>
+              </a:rPr>
+              <a:t>Ограниченная настройка</a:t>
+            </a:r>
+          </a:p>
+          <a:p>
+            <a:pPr>
+              <a:buFont typeface="Arial" panose="020B0604020202020204" pitchFamily="34" charset="0"/>
+              <a:buChar char="•"/>
+            </a:pPr>
+            <a:r>
+              <a:rPr lang="ru-RU" sz="1600" b="0" i="0" dirty="0" smtClean="0">
+                <a:solidFill>
+                  <a:srgbClr val="212121"/>
+                </a:solidFill>
+                <a:effectLst/>
+              </a:rPr>
+              <a:t>Уровень обслуживания выше</a:t>
+            </a:r>
+          </a:p>
+          <a:p>
+            <a:pPr>
+              <a:buFont typeface="Arial" panose="020B0604020202020204" pitchFamily="34" charset="0"/>
+              <a:buChar char="•"/>
+            </a:pPr>
+            <a:r>
+              <a:rPr lang="ru-RU" sz="1600" b="0" i="0" dirty="0" smtClean="0">
+                <a:solidFill>
+                  <a:srgbClr val="212121"/>
+                </a:solidFill>
+                <a:effectLst/>
+              </a:rPr>
+              <a:t>Безопасность и надёжность</a:t>
+            </a:r>
+          </a:p>
+          <a:p>
+            <a:pPr marL="742950" lvl="1" indent="-285750">
+              <a:buFont typeface="Arial" panose="020B0604020202020204" pitchFamily="34" charset="0"/>
+              <a:buChar char="•"/>
+            </a:pPr>
+            <a:r>
+              <a:rPr lang="ru-RU" sz="1600" b="0" i="0" dirty="0" smtClean="0">
+                <a:solidFill>
+                  <a:srgbClr val="212121"/>
+                </a:solidFill>
+                <a:effectLst/>
+              </a:rPr>
+              <a:t>Вопросы по утечкам данных</a:t>
+            </a:r>
+            <a:endParaRPr lang="ru-RU" sz="1600" b="0" i="0" dirty="0">
+              <a:solidFill>
+                <a:srgbClr val="212121"/>
+              </a:solidFill>
+              <a:effectLst/>
+            </a:endParaRPr>
+          </a:p>
+        </p:txBody>
+      </p:sp>
+    </p:spTree>
+    <p:extLst>
+      <p:ext uri="{BB962C8B-B14F-4D97-AF65-F5344CB8AC3E}">
+        <p14:creationId xmlns:p14="http://schemas.microsoft.com/office/powerpoint/2010/main" val="153709330"/>
+      </p:ext>
+    </p:extLst>
+  </p:cSld>
+  <p:clrMapOvr>
+    <a:masterClrMapping/>
+  </p:clrMapOvr>
+</p:sld>
+</file>
+
+<file path=ppt/slides/slide9.xml><?xml version="1.0" encoding="utf-8"?>
+<p:sld xmlns:a="http://schemas.openxmlformats.org/drawingml/2006/main" xmlns:r="http://schemas.openxmlformats.org/officeDocument/2006/relationships" xmlns:p="http://schemas.openxmlformats.org/presentationml/2006/main">
+  <p:cSld>
+    <p:spTree>
+      <p:nvGrpSpPr>
+        <p:cNvPr id="1" name=""/>
+        <p:cNvGrpSpPr/>
+        <p:nvPr/>
+      </p:nvGrpSpPr>
+      <p:grpSpPr>
+        <a:xfrm>
+          <a:off x="0" y="0"/>
+          <a:ext cx="0" cy="0"/>
+          <a:chOff x="0" y="0"/>
+          <a:chExt cx="0" cy="0"/>
+        </a:xfrm>
+      </p:grpSpPr>
+      <p:pic>
+        <p:nvPicPr>
+          <p:cNvPr id="4" name="Рисунок 3">
+            <a:extLst>
+              <a:ext uri="{FF2B5EF4-FFF2-40B4-BE49-F238E27FC236}">
+                <a16:creationId xmlns:a16="http://schemas.microsoft.com/office/drawing/2014/main" id="{A0AC5339-4522-B1BF-D425-ECFE3587238E}"/>
+              </a:ext>
+            </a:extLst>
+          </p:cNvPr>
+          <p:cNvPicPr>
+            <a:picLocks noChangeAspect="1"/>
+          </p:cNvPicPr>
+          <p:nvPr/>
+        </p:nvPicPr>
+        <p:blipFill>
+          <a:blip r:embed="rId2" cstate="print">
+            <a:extLst>
+              <a:ext uri="{28A0092B-C50C-407E-A947-70E740481C1C}">
+                <a14:useLocalDpi xmlns:a14="http://schemas.microsoft.com/office/drawing/2010/main" val="0"/>
+              </a:ext>
+            </a:extLst>
+          </a:blip>
+          <a:stretch>
+            <a:fillRect/>
+          </a:stretch>
+        </p:blipFill>
+        <p:spPr>
+          <a:xfrm>
+            <a:off x="-112542" y="-1"/>
+            <a:ext cx="2164542" cy="935523"/>
+          </a:xfrm>
+          <a:prstGeom prst="rect">
+            <a:avLst/>
+          </a:prstGeom>
+        </p:spPr>
+      </p:pic>
+      <p:sp>
+        <p:nvSpPr>
+          <p:cNvPr id="6" name="TextBox 5">
+            <a:extLst>
+              <a:ext uri="{FF2B5EF4-FFF2-40B4-BE49-F238E27FC236}">
+                <a16:creationId xmlns:a16="http://schemas.microsoft.com/office/drawing/2014/main" id="{87E2D704-6CA7-FA6C-184A-29AD22314EE5}"/>
+              </a:ext>
+            </a:extLst>
+          </p:cNvPr>
+          <p:cNvSpPr txBox="1"/>
+          <p:nvPr/>
+        </p:nvSpPr>
+        <p:spPr>
+          <a:xfrm>
+            <a:off x="7839077" y="0"/>
+            <a:ext cx="4352923" cy="584775"/>
+          </a:xfrm>
+          <a:prstGeom prst="rect">
+            <a:avLst/>
+          </a:prstGeom>
+          <a:noFill/>
+        </p:spPr>
+        <p:txBody>
+          <a:bodyPr wrap="none" rtlCol="0">
+            <a:spAutoFit/>
+          </a:bodyPr>
+          <a:lstStyle/>
+          <a:p>
+            <a:pPr algn="r"/>
+            <a:r>
+              <a:rPr lang="ru-RU" sz="3200" dirty="0" smtClean="0"/>
+              <a:t>Модели развёртывания</a:t>
+            </a:r>
+            <a:endParaRPr lang="ru-RU" sz="3200" dirty="0"/>
+          </a:p>
+        </p:txBody>
+      </p:sp>
+      <p:pic>
+        <p:nvPicPr>
+          <p:cNvPr id="14340" name="Picture 4" descr="cloud deployment models"/>
+          <p:cNvPicPr>
+            <a:picLocks noChangeAspect="1" noChangeArrowheads="1"/>
+          </p:cNvPicPr>
+          <p:nvPr/>
+        </p:nvPicPr>
+        <p:blipFill>
+          <a:blip r:embed="rId3">
+            <a:extLst>
+              <a:ext uri="{28A0092B-C50C-407E-A947-70E740481C1C}">
+                <a14:useLocalDpi xmlns:a14="http://schemas.microsoft.com/office/drawing/2010/main" val="0"/>
+              </a:ext>
+            </a:extLst>
+          </a:blip>
+          <a:srcRect/>
+          <a:stretch>
+            <a:fillRect/>
+          </a:stretch>
+        </p:blipFill>
+        <p:spPr bwMode="auto">
+          <a:xfrm>
+            <a:off x="1861186" y="999172"/>
+            <a:ext cx="8425089" cy="5858828"/>
+          </a:xfrm>
+          <a:prstGeom prst="rect">
+            <a:avLst/>
+          </a:prstGeom>
+          <a:noFill/>
+          <a:extLst>
+            <a:ext uri="{909E8E84-426E-40DD-AFC4-6F175D3DCCD1}">
+              <a14:hiddenFill xmlns:a14="http://schemas.microsoft.com/office/drawing/2010/main">
+                <a:solidFill>
+                  <a:srgbClr val="FFFFFF"/>
+                </a:solidFill>
+              </a14:hiddenFill>
+            </a:ext>
+          </a:extLst>
+        </p:spPr>
+      </p:pic>
+    </p:spTree>
+    <p:extLst>
+      <p:ext uri="{BB962C8B-B14F-4D97-AF65-F5344CB8AC3E}">
+        <p14:creationId xmlns:p14="http://schemas.microsoft.com/office/powerpoint/2010/main" val="2650404392"/>
       </p:ext>
     </p:extLst>
   </p:cSld>
@@ -3460,4 +7740,265 @@
     </a:ext>
   </a:extLst>
 </a:theme>
+</file>
+
+<file path=ppt/theme/theme2.xml><?xml version="1.0" encoding="utf-8"?>
+<a:theme xmlns:a="http://schemas.openxmlformats.org/drawingml/2006/main" name="Тема Office">
+  <a:themeElements>
+    <a:clrScheme name="Стандартная">
+      <a:dk1>
+        <a:sysClr val="windowText" lastClr="000000"/>
+      </a:dk1>
+      <a:lt1>
+        <a:sysClr val="window" lastClr="FFFFFF"/>
+      </a:lt1>
+      <a:dk2>
+        <a:srgbClr val="44546A"/>
+      </a:dk2>
+      <a:lt2>
+        <a:srgbClr val="E7E6E6"/>
+      </a:lt2>
+      <a:accent1>
+        <a:srgbClr val="5B9BD5"/>
+      </a:accent1>
+      <a:accent2>
+        <a:srgbClr val="ED7D31"/>
+      </a:accent2>
+      <a:accent3>
+        <a:srgbClr val="A5A5A5"/>
+      </a:accent3>
+      <a:accent4>
+        <a:srgbClr val="FFC000"/>
+      </a:accent4>
+      <a:accent5>
+        <a:srgbClr val="4472C4"/>
+      </a:accent5>
+      <a:accent6>
+        <a:srgbClr val="70AD47"/>
+      </a:accent6>
+      <a:hlink>
+        <a:srgbClr val="0563C1"/>
+      </a:hlink>
+      <a:folHlink>
+        <a:srgbClr val="954F72"/>
+      </a:folHlink>
+    </a:clrScheme>
+    <a:fontScheme name="Стандартная">
+      <a:majorFont>
+        <a:latin typeface="Calibri Light" panose="020F0302020204030204"/>
+        <a:ea typeface=""/>
+        <a:cs typeface=""/>
+        <a:font script="Jpan" typeface="游ゴシック Light"/>
+        <a:font script="Hang" typeface="맑은 고딕"/>
+        <a:font script="Hans" typeface="等线 Light"/>
+        <a:font script="Hant" typeface="新細明體"/>
+        <a:font script="Arab" typeface="Times New Roman"/>
+        <a:font script="Hebr" typeface="Times New Roman"/>
+        <a:font script="Thai" typeface="Angsana New"/>
+        <a:font script="Ethi" typeface="Nyala"/>
+        <a:font script="Beng" typeface="Vrinda"/>
+        <a:font script="Gujr" typeface="Shruti"/>
+        <a:font script="Khmr" typeface="MoolBoran"/>
+        <a:font script="Knda" typeface="Tunga"/>
+        <a:font script="Guru" typeface="Raavi"/>
+        <a:font script="Cans" typeface="Euphemia"/>
+        <a:font script="Cher" typeface="Plantagenet Cherokee"/>
+        <a:font script="Yiii" typeface="Microsoft Yi Baiti"/>
+        <a:font script="Tibt" typeface="Microsoft Himalaya"/>
+        <a:font script="Thaa" typeface="MV Boli"/>
+        <a:font script="Deva" typeface="Mangal"/>
+        <a:font script="Telu" typeface="Gautami"/>
+        <a:font script="Taml" typeface="Latha"/>
+        <a:font script="Syrc" typeface="Estrangelo Edessa"/>
+        <a:font script="Orya" typeface="Kalinga"/>
+        <a:font script="Mlym" typeface="Kartika"/>
+        <a:font script="Laoo" typeface="DokChampa"/>
+        <a:font script="Sinh" typeface="Iskoola Pota"/>
+        <a:font script="Mong" typeface="Mongolian Baiti"/>
+        <a:font script="Viet" typeface="Times New Roman"/>
+        <a:font script="Uigh" typeface="Microsoft Uighur"/>
+        <a:font script="Geor" typeface="Sylfaen"/>
+      </a:majorFont>
+      <a:minorFont>
+        <a:latin typeface="Calibri" panose="020F0502020204030204"/>
+        <a:ea typeface=""/>
+        <a:cs typeface=""/>
+        <a:font script="Jpan" typeface="游ゴシック"/>
+        <a:font script="Hang" typeface="맑은 고딕"/>
+        <a:font script="Hans" typeface="等线"/>
+        <a:font script="Hant" typeface="新細明體"/>
+        <a:font script="Arab" typeface="Arial"/>
+        <a:font script="Hebr" typeface="Arial"/>
+        <a:font script="Thai" typeface="Cordia New"/>
+        <a:font script="Ethi" typeface="Nyala"/>
+        <a:font script="Beng" typeface="Vrinda"/>
+        <a:font script="Gujr" typeface="Shruti"/>
+        <a:font script="Khmr" typeface="DaunPenh"/>
+        <a:font script="Knda" typeface="Tunga"/>
+        <a:font script="Guru" typeface="Raavi"/>
+        <a:font script="Cans" typeface="Euphemia"/>
+        <a:font script="Cher" typeface="Plantagenet Cherokee"/>
+        <a:font script="Yiii" typeface="Microsoft Yi Baiti"/>
+        <a:font script="Tibt" typeface="Microsoft Himalaya"/>
+        <a:font script="Thaa" typeface="MV Boli"/>
+        <a:font script="Deva" typeface="Mangal"/>
+        <a:font script="Telu" typeface="Gautami"/>
+        <a:font script="Taml" typeface="Latha"/>
+        <a:font script="Syrc" typeface="Estrangelo Edessa"/>
+        <a:font script="Orya" typeface="Kalinga"/>
+        <a:font script="Mlym" typeface="Kartika"/>
+        <a:font script="Laoo" typeface="DokChampa"/>
+        <a:font script="Sinh" typeface="Iskoola Pota"/>
+        <a:font script="Mong" typeface="Mongolian Baiti"/>
+        <a:font script="Viet" typeface="Arial"/>
+        <a:font script="Uigh" typeface="Microsoft Uighur"/>
+        <a:font script="Geor" typeface="Sylfaen"/>
+      </a:minorFont>
+    </a:fontScheme>
+    <a:fmtScheme name="Стандартная">
+      <a:fillStyleLst>
+        <a:solidFill>
+          <a:schemeClr val="phClr"/>
+        </a:solidFill>
+        <a:gradFill rotWithShape="1">
+          <a:gsLst>
+            <a:gs pos="0">
+              <a:schemeClr val="phClr">
+                <a:lumMod val="110000"/>
+                <a:satMod val="105000"/>
+                <a:tint val="67000"/>
+              </a:schemeClr>
+            </a:gs>
+            <a:gs pos="50000">
+              <a:schemeClr val="phClr">
+                <a:lumMod val="105000"/>
+                <a:satMod val="103000"/>
+                <a:tint val="73000"/>
+              </a:schemeClr>
+            </a:gs>
+            <a:gs pos="100000">
+              <a:schemeClr val="phClr">
+                <a:lumMod val="105000"/>
+                <a:satMod val="109000"/>
+                <a:tint val="81000"/>
+              </a:schemeClr>
+            </a:gs>
+          </a:gsLst>
+          <a:lin ang="5400000" scaled="0"/>
+        </a:gradFill>
+        <a:gradFill rotWithShape="1">
+          <a:gsLst>
+            <a:gs pos="0">
+              <a:schemeClr val="phClr">
+                <a:satMod val="103000"/>
+                <a:lumMod val="102000"/>
+                <a:tint val="94000"/>
+              </a:schemeClr>
+            </a:gs>
+            <a:gs pos="50000">
+              <a:schemeClr val="phClr">
+                <a:satMod val="110000"/>
+                <a:lumMod val="100000"/>
+                <a:shade val="100000"/>
+              </a:schemeClr>
+            </a:gs>
+            <a:gs pos="100000">
+              <a:schemeClr val="phClr">
+                <a:lumMod val="99000"/>
+                <a:satMod val="120000"/>
+                <a:shade val="78000"/>
+              </a:schemeClr>
+            </a:gs>
+          </a:gsLst>
+          <a:lin ang="5400000" scaled="0"/>
+        </a:gradFill>
+      </a:fillStyleLst>
+      <a:lnStyleLst>
+        <a:ln w="6350" cap="flat" cmpd="sng" algn="ctr">
+          <a:solidFill>
+            <a:schemeClr val="phClr"/>
+          </a:solidFill>
+          <a:prstDash val="solid"/>
+          <a:miter lim="800000"/>
+        </a:ln>
+        <a:ln w="12700" cap="flat" cmpd="sng" algn="ctr">
+          <a:solidFill>
+            <a:schemeClr val="phClr"/>
+          </a:solidFill>
+          <a:prstDash val="solid"/>
+          <a:miter lim="800000"/>
+        </a:ln>
+        <a:ln w="19050" cap="flat" cmpd="sng" algn="ctr">
+          <a:solidFill>
+            <a:schemeClr val="phClr"/>
+          </a:solidFill>
+          <a:prstDash val="solid"/>
+          <a:miter lim="800000"/>
+        </a:ln>
+      </a:lnStyleLst>
+      <a:effectStyleLst>
+        <a:effectStyle>
+          <a:effectLst/>
+        </a:effectStyle>
+        <a:effectStyle>
+          <a:effectLst/>
+        </a:effectStyle>
+        <a:effectStyle>
+          <a:effectLst>
+            <a:outerShdw blurRad="57150" dist="19050" dir="5400000" algn="ctr" rotWithShape="0">
+              <a:srgbClr val="000000">
+                <a:alpha val="63000"/>
+              </a:srgbClr>
+            </a:outerShdw>
+          </a:effectLst>
+        </a:effectStyle>
+      </a:effectStyleLst>
+      <a:bgFillStyleLst>
+        <a:solidFill>
+          <a:schemeClr val="phClr"/>
+        </a:solidFill>
+        <a:solidFill>
+          <a:schemeClr val="phClr">
+            <a:tint val="95000"/>
+            <a:satMod val="170000"/>
+          </a:schemeClr>
+        </a:solidFill>
+        <a:gradFill rotWithShape="1">
+          <a:gsLst>
+            <a:gs pos="0">
+              <a:schemeClr val="phClr">
+                <a:tint val="93000"/>
+                <a:satMod val="150000"/>
+                <a:shade val="98000"/>
+                <a:lumMod val="102000"/>
+              </a:schemeClr>
+            </a:gs>
+            <a:gs pos="50000">
+              <a:schemeClr val="phClr">
+                <a:tint val="98000"/>
+                <a:satMod val="130000"/>
+                <a:shade val="90000"/>
+                <a:lumMod val="103000"/>
+              </a:schemeClr>
+            </a:gs>
+            <a:gs pos="100000">
+              <a:schemeClr val="phClr">
+                <a:shade val="63000"/>
+                <a:satMod val="120000"/>
+              </a:schemeClr>
+            </a:gs>
+          </a:gsLst>
+          <a:lin ang="5400000" scaled="0"/>
+        </a:gradFill>
+      </a:bgFillStyleLst>
+    </a:fmtScheme>
+  </a:themeElements>
+  <a:objectDefaults/>
+  <a:extraClrSchemeLst/>
+  <a:extLst>
+    <a:ext uri="{05A4C25C-085E-4340-85A3-A5531E510DB2}">
+      <thm15:themeFamily xmlns:thm15="http://schemas.microsoft.com/office/thememl/2012/main" name="Office Theme" id="{62F939B6-93AF-4DB8-9C6B-D6C7DFDC589F}" vid="{4A3C46E8-61CC-4603-A589-7422A47A8E4A}"/>
+    </a:ext>
+  </a:extLst>
+</a:theme>
 </file>
--- a/slides/01-cc-intro.pptx
+++ b/slides/01-cc-intro.pptx
@@ -5,7 +5,7 @@
     <p:sldMasterId id="2147483648" r:id="rId1"/>
   </p:sldMasterIdLst>
   <p:notesMasterIdLst>
-    <p:notesMasterId r:id="rId17"/>
+    <p:notesMasterId r:id="rId15"/>
   </p:notesMasterIdLst>
   <p:sldIdLst>
     <p:sldId id="256" r:id="rId2"/>
@@ -21,8 +21,6 @@
     <p:sldId id="266" r:id="rId12"/>
     <p:sldId id="265" r:id="rId13"/>
     <p:sldId id="267" r:id="rId14"/>
-    <p:sldId id="268" r:id="rId15"/>
-    <p:sldId id="269" r:id="rId16"/>
   </p:sldIdLst>
   <p:sldSz cx="12192000" cy="6858000"/>
   <p:notesSz cx="6858000" cy="9144000"/>
@@ -4150,7 +4148,7 @@
         </p:nvSpPr>
         <p:spPr>
           <a:xfrm>
-            <a:off x="6381683" y="2090857"/>
+            <a:off x="6564563" y="1624513"/>
             <a:ext cx="1815085" cy="1384995"/>
           </a:xfrm>
           <a:prstGeom prst="rect">
@@ -4564,8 +4562,8 @@
         </p:nvSpPr>
         <p:spPr>
           <a:xfrm>
-            <a:off x="9627067" y="0"/>
-            <a:ext cx="2564933" cy="584775"/>
+            <a:off x="6966531" y="0"/>
+            <a:ext cx="5225469" cy="584775"/>
           </a:xfrm>
           <a:prstGeom prst="rect">
             <a:avLst/>
@@ -4581,9 +4579,305 @@
             <a:pPr algn="r"/>
             <a:r>
               <a:rPr lang="ru-RU" sz="3200" dirty="0" smtClean="0"/>
-              <a:t>Определение</a:t>
+              <a:t>Примерные темы рефератов</a:t>
             </a:r>
             <a:endParaRPr lang="ru-RU" sz="3200" dirty="0"/>
+          </a:p>
+        </p:txBody>
+      </p:sp>
+      <p:sp>
+        <p:nvSpPr>
+          <p:cNvPr id="2" name="TextBox 1"/>
+          <p:cNvSpPr txBox="1"/>
+          <p:nvPr/>
+        </p:nvSpPr>
+        <p:spPr>
+          <a:xfrm>
+            <a:off x="131064" y="1502688"/>
+            <a:ext cx="12060936" cy="5355312"/>
+          </a:xfrm>
+          <a:prstGeom prst="rect">
+            <a:avLst/>
+          </a:prstGeom>
+          <a:noFill/>
+        </p:spPr>
+        <p:txBody>
+          <a:bodyPr wrap="square" rtlCol="0">
+            <a:spAutoFit/>
+          </a:bodyPr>
+          <a:lstStyle/>
+          <a:p>
+            <a:r>
+              <a:rPr lang="ru-RU" dirty="0"/>
+              <a:t>1.     </a:t>
+            </a:r>
+            <a:r>
+              <a:rPr lang="ru-RU" i="1" dirty="0"/>
+              <a:t>История возникновения и развития облачных </a:t>
+            </a:r>
+            <a:r>
+              <a:rPr lang="ru-RU" i="1" dirty="0" smtClean="0"/>
+              <a:t>вычислений </a:t>
+            </a:r>
+            <a:r>
+              <a:rPr lang="ru-RU" i="1" strike="sngStrike" dirty="0" smtClean="0"/>
+              <a:t>на Руси</a:t>
+            </a:r>
+            <a:endParaRPr lang="ru-RU" strike="sngStrike" dirty="0"/>
+          </a:p>
+          <a:p>
+            <a:r>
+              <a:rPr lang="ru-RU" dirty="0"/>
+              <a:t>2.     </a:t>
+            </a:r>
+            <a:r>
+              <a:rPr lang="ru-RU" i="1" dirty="0"/>
+              <a:t>Облачные вычисления: за и против</a:t>
+            </a:r>
+            <a:endParaRPr lang="ru-RU" dirty="0"/>
+          </a:p>
+          <a:p>
+            <a:r>
+              <a:rPr lang="ru-RU" dirty="0"/>
+              <a:t>3.     </a:t>
+            </a:r>
+            <a:r>
+              <a:rPr lang="ru-RU" i="1" dirty="0"/>
+              <a:t>Основные модели обслуживания облачных вычислений (</a:t>
+            </a:r>
+            <a:r>
+              <a:rPr lang="ru-RU" i="1" dirty="0" err="1"/>
+              <a:t>Iaas</a:t>
+            </a:r>
+            <a:r>
+              <a:rPr lang="ru-RU" i="1" dirty="0"/>
+              <a:t>, </a:t>
+            </a:r>
+            <a:r>
+              <a:rPr lang="ru-RU" i="1" dirty="0" err="1"/>
+              <a:t>Paas</a:t>
+            </a:r>
+            <a:r>
+              <a:rPr lang="ru-RU" i="1" dirty="0"/>
+              <a:t>, </a:t>
+            </a:r>
+            <a:r>
+              <a:rPr lang="ru-RU" i="1" dirty="0" err="1"/>
+              <a:t>SaaS</a:t>
+            </a:r>
+            <a:r>
+              <a:rPr lang="ru-RU" i="1" dirty="0"/>
+              <a:t>...)</a:t>
+            </a:r>
+            <a:endParaRPr lang="ru-RU" dirty="0"/>
+          </a:p>
+          <a:p>
+            <a:r>
+              <a:rPr lang="ru-RU" dirty="0"/>
+              <a:t>4.     </a:t>
+            </a:r>
+            <a:r>
+              <a:rPr lang="ru-RU" i="1" dirty="0"/>
+              <a:t>Основные модели развёртывания облачных вычислений (Частное, Публичное, Гибридное (Мульти-)Облако...)</a:t>
+            </a:r>
+            <a:endParaRPr lang="ru-RU" dirty="0"/>
+          </a:p>
+          <a:p>
+            <a:r>
+              <a:rPr lang="ru-RU" dirty="0"/>
+              <a:t>5.     </a:t>
+            </a:r>
+            <a:r>
+              <a:rPr lang="ru-RU" i="1" dirty="0"/>
+              <a:t>Облачные вычисления: основные характеристики </a:t>
+            </a:r>
+            <a:endParaRPr lang="ru-RU" dirty="0"/>
+          </a:p>
+          <a:p>
+            <a:r>
+              <a:rPr lang="ru-RU" dirty="0"/>
+              <a:t>6.     </a:t>
+            </a:r>
+            <a:r>
+              <a:rPr lang="ru-RU" i="1" dirty="0"/>
+              <a:t>Крупнейшие облачные провайдеры в мире и России</a:t>
+            </a:r>
+            <a:endParaRPr lang="ru-RU" dirty="0"/>
+          </a:p>
+          <a:p>
+            <a:r>
+              <a:rPr lang="ru-RU" dirty="0"/>
+              <a:t>7.     </a:t>
+            </a:r>
+            <a:r>
+              <a:rPr lang="ru-RU" i="1" dirty="0" err="1"/>
+              <a:t>Микросервисная</a:t>
+            </a:r>
+            <a:r>
+              <a:rPr lang="ru-RU" i="1" dirty="0"/>
+              <a:t> архитектура</a:t>
+            </a:r>
+            <a:endParaRPr lang="ru-RU" dirty="0"/>
+          </a:p>
+          <a:p>
+            <a:r>
+              <a:rPr lang="ru-RU" dirty="0"/>
+              <a:t>8.     </a:t>
+            </a:r>
+            <a:r>
+              <a:rPr lang="ru-RU" i="1" dirty="0" err="1"/>
+              <a:t>Бессерверные</a:t>
+            </a:r>
+            <a:r>
+              <a:rPr lang="ru-RU" i="1" dirty="0"/>
+              <a:t> вычисления</a:t>
+            </a:r>
+            <a:endParaRPr lang="ru-RU" dirty="0"/>
+          </a:p>
+          <a:p>
+            <a:r>
+              <a:rPr lang="ru-RU" dirty="0"/>
+              <a:t>9.     </a:t>
+            </a:r>
+            <a:r>
+              <a:rPr lang="ru-RU" i="1" dirty="0"/>
+              <a:t>ML: Машинное обучение (AI: Искусственный Интеллект) и Облачные вычисления</a:t>
+            </a:r>
+            <a:endParaRPr lang="ru-RU" dirty="0"/>
+          </a:p>
+          <a:p>
+            <a:r>
+              <a:rPr lang="ru-RU" dirty="0"/>
+              <a:t>10.  </a:t>
+            </a:r>
+            <a:r>
+              <a:rPr lang="ru-RU" i="1" dirty="0" err="1"/>
+              <a:t>IoT</a:t>
+            </a:r>
+            <a:r>
+              <a:rPr lang="ru-RU" i="1" dirty="0"/>
+              <a:t>: Интернет вещей</a:t>
+            </a:r>
+            <a:endParaRPr lang="ru-RU" dirty="0"/>
+          </a:p>
+          <a:p>
+            <a:r>
+              <a:rPr lang="ru-RU" dirty="0"/>
+              <a:t>11.  </a:t>
+            </a:r>
+            <a:r>
+              <a:rPr lang="ru-RU" i="1" dirty="0" err="1"/>
+              <a:t>Blockchain</a:t>
+            </a:r>
+            <a:r>
+              <a:rPr lang="ru-RU" i="1" dirty="0"/>
+              <a:t> и облака</a:t>
+            </a:r>
+            <a:endParaRPr lang="ru-RU" dirty="0"/>
+          </a:p>
+          <a:p>
+            <a:r>
+              <a:rPr lang="ru-RU" dirty="0"/>
+              <a:t>12.  </a:t>
+            </a:r>
+            <a:r>
+              <a:rPr lang="ru-RU" i="1" dirty="0" err="1"/>
+              <a:t>DevOps</a:t>
+            </a:r>
+            <a:r>
+              <a:rPr lang="ru-RU" i="1" dirty="0"/>
+              <a:t> и облачные вычисления</a:t>
+            </a:r>
+            <a:endParaRPr lang="ru-RU" dirty="0"/>
+          </a:p>
+          <a:p>
+            <a:r>
+              <a:rPr lang="ru-RU" dirty="0"/>
+              <a:t>13.  </a:t>
+            </a:r>
+            <a:r>
+              <a:rPr lang="ru-RU" i="1" dirty="0"/>
+              <a:t>Основные виды облачных хранилищ: блочное, файловое, объектное...</a:t>
+            </a:r>
+            <a:endParaRPr lang="ru-RU" dirty="0"/>
+          </a:p>
+          <a:p>
+            <a:r>
+              <a:rPr lang="ru-RU" dirty="0"/>
+              <a:t>14.  </a:t>
+            </a:r>
+            <a:r>
+              <a:rPr lang="ru-RU" i="1" dirty="0"/>
+              <a:t>Проблемы безопасности в облачных вычислениях</a:t>
+            </a:r>
+            <a:endParaRPr lang="ru-RU" dirty="0"/>
+          </a:p>
+          <a:p>
+            <a:r>
+              <a:rPr lang="ru-RU" dirty="0"/>
+              <a:t>15.  </a:t>
+            </a:r>
+            <a:r>
+              <a:rPr lang="ru-RU" i="1" dirty="0"/>
+              <a:t>Виртуализация и Виртуальные машины</a:t>
+            </a:r>
+            <a:endParaRPr lang="ru-RU" dirty="0"/>
+          </a:p>
+          <a:p>
+            <a:r>
+              <a:rPr lang="ru-RU" dirty="0"/>
+              <a:t>16.  </a:t>
+            </a:r>
+            <a:r>
+              <a:rPr lang="ru-RU" i="1" dirty="0" err="1"/>
+              <a:t>Bare</a:t>
+            </a:r>
+            <a:r>
+              <a:rPr lang="ru-RU" i="1" dirty="0"/>
+              <a:t> </a:t>
+            </a:r>
+            <a:r>
+              <a:rPr lang="ru-RU" i="1" dirty="0" err="1"/>
+              <a:t>Metal</a:t>
+            </a:r>
+            <a:r>
+              <a:rPr lang="ru-RU" i="1" dirty="0"/>
+              <a:t> </a:t>
+            </a:r>
+            <a:r>
+              <a:rPr lang="ru-RU" i="1" dirty="0" err="1"/>
+              <a:t>Server</a:t>
+            </a:r>
+            <a:r>
+              <a:rPr lang="ru-RU" i="1" dirty="0"/>
+              <a:t>: Физические сервера в облаках</a:t>
+            </a:r>
+            <a:endParaRPr lang="ru-RU" dirty="0"/>
+          </a:p>
+          <a:p>
+            <a:r>
+              <a:rPr lang="ru-RU" dirty="0"/>
+              <a:t>17.  </a:t>
+            </a:r>
+            <a:r>
+              <a:rPr lang="ru-RU" i="1" dirty="0"/>
+              <a:t>Контейнеризация как новый этап виртуализации</a:t>
+            </a:r>
+            <a:endParaRPr lang="ru-RU" dirty="0"/>
+          </a:p>
+          <a:p>
+            <a:r>
+              <a:rPr lang="ru-RU" dirty="0"/>
+              <a:t>18.  </a:t>
+            </a:r>
+            <a:r>
+              <a:rPr lang="ru-RU" i="1" dirty="0"/>
+              <a:t>CDN: Сети доставки (и дистрибуции) содержимого</a:t>
+            </a:r>
+            <a:endParaRPr lang="ru-RU" dirty="0"/>
+          </a:p>
+          <a:p>
+            <a:endParaRPr lang="ru-RU" dirty="0"/>
           </a:p>
         </p:txBody>
       </p:sp>
@@ -4591,212 +4885,6 @@
     <p:extLst>
       <p:ext uri="{BB962C8B-B14F-4D97-AF65-F5344CB8AC3E}">
         <p14:creationId xmlns:p14="http://schemas.microsoft.com/office/powerpoint/2010/main" val="1742555963"/>
-      </p:ext>
-    </p:extLst>
-  </p:cSld>
-  <p:clrMapOvr>
-    <a:masterClrMapping/>
-  </p:clrMapOvr>
-</p:sld>
-</file>
-
-<file path=ppt/slides/slide14.xml><?xml version="1.0" encoding="utf-8"?>
-<p:sld xmlns:a="http://schemas.openxmlformats.org/drawingml/2006/main" xmlns:r="http://schemas.openxmlformats.org/officeDocument/2006/relationships" xmlns:p="http://schemas.openxmlformats.org/presentationml/2006/main">
-  <p:cSld>
-    <p:spTree>
-      <p:nvGrpSpPr>
-        <p:cNvPr id="1" name=""/>
-        <p:cNvGrpSpPr/>
-        <p:nvPr/>
-      </p:nvGrpSpPr>
-      <p:grpSpPr>
-        <a:xfrm>
-          <a:off x="0" y="0"/>
-          <a:ext cx="0" cy="0"/>
-          <a:chOff x="0" y="0"/>
-          <a:chExt cx="0" cy="0"/>
-        </a:xfrm>
-      </p:grpSpPr>
-      <p:pic>
-        <p:nvPicPr>
-          <p:cNvPr id="4" name="Рисунок 3">
-            <a:extLst>
-              <a:ext uri="{FF2B5EF4-FFF2-40B4-BE49-F238E27FC236}">
-                <a16:creationId xmlns:a16="http://schemas.microsoft.com/office/drawing/2014/main" id="{A0AC5339-4522-B1BF-D425-ECFE3587238E}"/>
-              </a:ext>
-            </a:extLst>
-          </p:cNvPr>
-          <p:cNvPicPr>
-            <a:picLocks noChangeAspect="1"/>
-          </p:cNvPicPr>
-          <p:nvPr/>
-        </p:nvPicPr>
-        <p:blipFill>
-          <a:blip r:embed="rId2" cstate="print">
-            <a:extLst>
-              <a:ext uri="{28A0092B-C50C-407E-A947-70E740481C1C}">
-                <a14:useLocalDpi xmlns:a14="http://schemas.microsoft.com/office/drawing/2010/main" val="0"/>
-              </a:ext>
-            </a:extLst>
-          </a:blip>
-          <a:stretch>
-            <a:fillRect/>
-          </a:stretch>
-        </p:blipFill>
-        <p:spPr>
-          <a:xfrm>
-            <a:off x="-112542" y="-1"/>
-            <a:ext cx="2164542" cy="935523"/>
-          </a:xfrm>
-          <a:prstGeom prst="rect">
-            <a:avLst/>
-          </a:prstGeom>
-        </p:spPr>
-      </p:pic>
-      <p:sp>
-        <p:nvSpPr>
-          <p:cNvPr id="6" name="TextBox 5">
-            <a:extLst>
-              <a:ext uri="{FF2B5EF4-FFF2-40B4-BE49-F238E27FC236}">
-                <a16:creationId xmlns:a16="http://schemas.microsoft.com/office/drawing/2014/main" id="{87E2D704-6CA7-FA6C-184A-29AD22314EE5}"/>
-              </a:ext>
-            </a:extLst>
-          </p:cNvPr>
-          <p:cNvSpPr txBox="1"/>
-          <p:nvPr/>
-        </p:nvSpPr>
-        <p:spPr>
-          <a:xfrm>
-            <a:off x="9627067" y="0"/>
-            <a:ext cx="2564933" cy="584775"/>
-          </a:xfrm>
-          <a:prstGeom prst="rect">
-            <a:avLst/>
-          </a:prstGeom>
-          <a:noFill/>
-        </p:spPr>
-        <p:txBody>
-          <a:bodyPr wrap="none" rtlCol="0">
-            <a:spAutoFit/>
-          </a:bodyPr>
-          <a:lstStyle/>
-          <a:p>
-            <a:pPr algn="r"/>
-            <a:r>
-              <a:rPr lang="ru-RU" sz="3200" dirty="0" smtClean="0"/>
-              <a:t>Определение</a:t>
-            </a:r>
-            <a:endParaRPr lang="ru-RU" sz="3200" dirty="0"/>
-          </a:p>
-        </p:txBody>
-      </p:sp>
-    </p:spTree>
-    <p:extLst>
-      <p:ext uri="{BB962C8B-B14F-4D97-AF65-F5344CB8AC3E}">
-        <p14:creationId xmlns:p14="http://schemas.microsoft.com/office/powerpoint/2010/main" val="3862918272"/>
-      </p:ext>
-    </p:extLst>
-  </p:cSld>
-  <p:clrMapOvr>
-    <a:masterClrMapping/>
-  </p:clrMapOvr>
-</p:sld>
-</file>
-
-<file path=ppt/slides/slide15.xml><?xml version="1.0" encoding="utf-8"?>
-<p:sld xmlns:a="http://schemas.openxmlformats.org/drawingml/2006/main" xmlns:r="http://schemas.openxmlformats.org/officeDocument/2006/relationships" xmlns:p="http://schemas.openxmlformats.org/presentationml/2006/main">
-  <p:cSld>
-    <p:spTree>
-      <p:nvGrpSpPr>
-        <p:cNvPr id="1" name=""/>
-        <p:cNvGrpSpPr/>
-        <p:nvPr/>
-      </p:nvGrpSpPr>
-      <p:grpSpPr>
-        <a:xfrm>
-          <a:off x="0" y="0"/>
-          <a:ext cx="0" cy="0"/>
-          <a:chOff x="0" y="0"/>
-          <a:chExt cx="0" cy="0"/>
-        </a:xfrm>
-      </p:grpSpPr>
-      <p:pic>
-        <p:nvPicPr>
-          <p:cNvPr id="4" name="Рисунок 3">
-            <a:extLst>
-              <a:ext uri="{FF2B5EF4-FFF2-40B4-BE49-F238E27FC236}">
-                <a16:creationId xmlns:a16="http://schemas.microsoft.com/office/drawing/2014/main" id="{A0AC5339-4522-B1BF-D425-ECFE3587238E}"/>
-              </a:ext>
-            </a:extLst>
-          </p:cNvPr>
-          <p:cNvPicPr>
-            <a:picLocks noChangeAspect="1"/>
-          </p:cNvPicPr>
-          <p:nvPr/>
-        </p:nvPicPr>
-        <p:blipFill>
-          <a:blip r:embed="rId2" cstate="print">
-            <a:extLst>
-              <a:ext uri="{28A0092B-C50C-407E-A947-70E740481C1C}">
-                <a14:useLocalDpi xmlns:a14="http://schemas.microsoft.com/office/drawing/2010/main" val="0"/>
-              </a:ext>
-            </a:extLst>
-          </a:blip>
-          <a:stretch>
-            <a:fillRect/>
-          </a:stretch>
-        </p:blipFill>
-        <p:spPr>
-          <a:xfrm>
-            <a:off x="-112542" y="-1"/>
-            <a:ext cx="2164542" cy="935523"/>
-          </a:xfrm>
-          <a:prstGeom prst="rect">
-            <a:avLst/>
-          </a:prstGeom>
-        </p:spPr>
-      </p:pic>
-      <p:sp>
-        <p:nvSpPr>
-          <p:cNvPr id="6" name="TextBox 5">
-            <a:extLst>
-              <a:ext uri="{FF2B5EF4-FFF2-40B4-BE49-F238E27FC236}">
-                <a16:creationId xmlns:a16="http://schemas.microsoft.com/office/drawing/2014/main" id="{87E2D704-6CA7-FA6C-184A-29AD22314EE5}"/>
-              </a:ext>
-            </a:extLst>
-          </p:cNvPr>
-          <p:cNvSpPr txBox="1"/>
-          <p:nvPr/>
-        </p:nvSpPr>
-        <p:spPr>
-          <a:xfrm>
-            <a:off x="9627067" y="0"/>
-            <a:ext cx="2564933" cy="584775"/>
-          </a:xfrm>
-          <a:prstGeom prst="rect">
-            <a:avLst/>
-          </a:prstGeom>
-          <a:noFill/>
-        </p:spPr>
-        <p:txBody>
-          <a:bodyPr wrap="none" rtlCol="0">
-            <a:spAutoFit/>
-          </a:bodyPr>
-          <a:lstStyle/>
-          <a:p>
-            <a:pPr algn="r"/>
-            <a:r>
-              <a:rPr lang="ru-RU" sz="3200" dirty="0" smtClean="0"/>
-              <a:t>Определение</a:t>
-            </a:r>
-            <a:endParaRPr lang="ru-RU" sz="3200" dirty="0"/>
-          </a:p>
-        </p:txBody>
-      </p:sp>
-    </p:spTree>
-    <p:extLst>
-      <p:ext uri="{BB962C8B-B14F-4D97-AF65-F5344CB8AC3E}">
-        <p14:creationId xmlns:p14="http://schemas.microsoft.com/office/powerpoint/2010/main" val="4209876001"/>
       </p:ext>
     </p:extLst>
   </p:cSld>
